--- a/Notes and Slides/CIS399Wk3Day3-SQLIteDatabases.pptx
+++ b/Notes and Slides/CIS399Wk3Day3-SQLIteDatabases.pptx
@@ -169,7 +169,7 @@
   </p:defaultTextStyle>
   <p:extLst>
     <p:ext uri="{EFAFB233-063F-42B5-8137-9DF3F51BA10A}">
-      <p15:sldGuideLst xmlns:p15="http://schemas.microsoft.com/office/powerpoint/2012/main" xmlns="">
+      <p15:sldGuideLst xmlns:p15="http://schemas.microsoft.com/office/powerpoint/2012/main">
         <p15:guide id="1" orient="horz" pos="2160">
           <p15:clr>
             <a:srgbClr val="A4A3A4"/>
@@ -268,7 +268,7 @@
           <a:p>
             <a:fld id="{1FC32AA1-1225-9048-80C3-2B6F58548154}" type="datetimeFigureOut">
               <a:rPr lang="en-US" smtClean="0"/>
-              <a:t>7/8/16</a:t>
+              <a:t>7/14/17</a:t>
             </a:fld>
             <a:endParaRPr lang="en-US"/>
           </a:p>
@@ -693,7 +693,7 @@
           <a:p>
             <a:fld id="{44EB6C7D-DFD8-944D-93E3-D07F7EBDDEA8}" type="slidenum">
               <a:rPr lang="en-US" smtClean="0"/>
-              <a:t>24</a:t>
+              <a:t>22</a:t>
             </a:fld>
             <a:endParaRPr lang="en-US"/>
           </a:p>
@@ -758,36 +758,20 @@
           <a:p>
             <a:r>
               <a:rPr lang="en-US" dirty="0" smtClean="0"/>
-              <a:t>Business</a:t>
-            </a:r>
-            <a:r>
-              <a:rPr lang="en-US" baseline="0" dirty="0" smtClean="0"/>
-              <a:t> classes: List, Task</a:t>
-            </a:r>
-          </a:p>
-          <a:p>
-            <a:r>
-              <a:rPr lang="en-US" baseline="0" dirty="0" smtClean="0"/>
-              <a:t>Database access: </a:t>
-            </a:r>
-            <a:r>
-              <a:rPr lang="en-US" baseline="0" dirty="0" err="1" smtClean="0"/>
-              <a:t>TaskListDB</a:t>
-            </a:r>
-            <a:endParaRPr lang="en-US" baseline="0" dirty="0" smtClean="0"/>
-          </a:p>
-          <a:p>
-            <a:r>
-              <a:rPr lang="en-US" baseline="0" dirty="0" smtClean="0"/>
-              <a:t>Android UI: </a:t>
-            </a:r>
-            <a:r>
-              <a:rPr lang="en-US" baseline="0" dirty="0" err="1" smtClean="0"/>
-              <a:t>TaskListActivity</a:t>
-            </a:r>
-            <a:endParaRPr lang="en-US" baseline="0" dirty="0" smtClean="0"/>
-          </a:p>
-          <a:p>
+              <a:t>https://</a:t>
+            </a:r>
+            <a:r>
+              <a:rPr lang="en-US" dirty="0" err="1" smtClean="0"/>
+              <a:t>en.wikipedia.org</a:t>
+            </a:r>
+            <a:r>
+              <a:rPr lang="en-US" dirty="0" smtClean="0"/>
+              <a:t>/wiki/</a:t>
+            </a:r>
+            <a:r>
+              <a:rPr lang="en-US" dirty="0" err="1" smtClean="0"/>
+              <a:t>Multitier_architecture</a:t>
+            </a:r>
             <a:endParaRPr lang="en-US" dirty="0"/>
           </a:p>
         </p:txBody>
@@ -809,7 +793,7 @@
           <a:p>
             <a:fld id="{44EB6C7D-DFD8-944D-93E3-D07F7EBDDEA8}" type="slidenum">
               <a:rPr lang="en-US" smtClean="0"/>
-              <a:t>25</a:t>
+              <a:t>23</a:t>
             </a:fld>
             <a:endParaRPr lang="en-US"/>
           </a:p>
@@ -893,6 +877,206 @@
           <a:p>
             <a:fld id="{44EB6C7D-DFD8-944D-93E3-D07F7EBDDEA8}" type="slidenum">
               <a:rPr lang="en-US" smtClean="0"/>
+              <a:t>24</a:t>
+            </a:fld>
+            <a:endParaRPr lang="en-US"/>
+          </a:p>
+        </p:txBody>
+      </p:sp>
+    </p:spTree>
+    <p:extLst>
+      <p:ext uri="{BB962C8B-B14F-4D97-AF65-F5344CB8AC3E}">
+        <p14:creationId xmlns:p14="http://schemas.microsoft.com/office/powerpoint/2010/main" val="2094514162"/>
+      </p:ext>
+    </p:extLst>
+  </p:cSld>
+  <p:clrMapOvr>
+    <a:masterClrMapping/>
+  </p:clrMapOvr>
+</p:notes>
+</file>
+
+<file path=ppt/notesSlides/notesSlide13.xml><?xml version="1.0" encoding="utf-8"?>
+<p:notes xmlns:a="http://schemas.openxmlformats.org/drawingml/2006/main" xmlns:r="http://schemas.openxmlformats.org/officeDocument/2006/relationships" xmlns:p="http://schemas.openxmlformats.org/presentationml/2006/main">
+  <p:cSld>
+    <p:spTree>
+      <p:nvGrpSpPr>
+        <p:cNvPr id="1" name=""/>
+        <p:cNvGrpSpPr/>
+        <p:nvPr/>
+      </p:nvGrpSpPr>
+      <p:grpSpPr>
+        <a:xfrm>
+          <a:off x="0" y="0"/>
+          <a:ext cx="0" cy="0"/>
+          <a:chOff x="0" y="0"/>
+          <a:chExt cx="0" cy="0"/>
+        </a:xfrm>
+      </p:grpSpPr>
+      <p:sp>
+        <p:nvSpPr>
+          <p:cNvPr id="2" name="Slide Image Placeholder 1"/>
+          <p:cNvSpPr>
+            <a:spLocks noGrp="1" noRot="1" noChangeAspect="1"/>
+          </p:cNvSpPr>
+          <p:nvPr>
+            <p:ph type="sldImg"/>
+          </p:nvPr>
+        </p:nvSpPr>
+        <p:spPr/>
+      </p:sp>
+      <p:sp>
+        <p:nvSpPr>
+          <p:cNvPr id="3" name="Notes Placeholder 2"/>
+          <p:cNvSpPr>
+            <a:spLocks noGrp="1"/>
+          </p:cNvSpPr>
+          <p:nvPr>
+            <p:ph type="body" idx="1"/>
+          </p:nvPr>
+        </p:nvSpPr>
+        <p:spPr/>
+        <p:txBody>
+          <a:bodyPr/>
+          <a:lstStyle/>
+          <a:p>
+            <a:r>
+              <a:rPr lang="en-US" dirty="0" smtClean="0"/>
+              <a:t>Business</a:t>
+            </a:r>
+            <a:r>
+              <a:rPr lang="en-US" baseline="0" dirty="0" smtClean="0"/>
+              <a:t> classes: List, Task</a:t>
+            </a:r>
+          </a:p>
+          <a:p>
+            <a:r>
+              <a:rPr lang="en-US" baseline="0" dirty="0" smtClean="0"/>
+              <a:t>Database access: </a:t>
+            </a:r>
+            <a:r>
+              <a:rPr lang="en-US" baseline="0" dirty="0" err="1" smtClean="0"/>
+              <a:t>TaskListDB</a:t>
+            </a:r>
+            <a:endParaRPr lang="en-US" baseline="0" dirty="0" smtClean="0"/>
+          </a:p>
+          <a:p>
+            <a:r>
+              <a:rPr lang="en-US" baseline="0" dirty="0" smtClean="0"/>
+              <a:t>Android UI: </a:t>
+            </a:r>
+            <a:r>
+              <a:rPr lang="en-US" baseline="0" dirty="0" err="1" smtClean="0"/>
+              <a:t>TaskListActivity</a:t>
+            </a:r>
+            <a:endParaRPr lang="en-US" baseline="0" dirty="0" smtClean="0"/>
+          </a:p>
+          <a:p>
+            <a:endParaRPr lang="en-US" dirty="0"/>
+          </a:p>
+        </p:txBody>
+      </p:sp>
+      <p:sp>
+        <p:nvSpPr>
+          <p:cNvPr id="4" name="Slide Number Placeholder 3"/>
+          <p:cNvSpPr>
+            <a:spLocks noGrp="1"/>
+          </p:cNvSpPr>
+          <p:nvPr>
+            <p:ph type="sldNum" sz="quarter" idx="10"/>
+          </p:nvPr>
+        </p:nvSpPr>
+        <p:spPr/>
+        <p:txBody>
+          <a:bodyPr/>
+          <a:lstStyle/>
+          <a:p>
+            <a:fld id="{44EB6C7D-DFD8-944D-93E3-D07F7EBDDEA8}" type="slidenum">
+              <a:rPr lang="en-US" smtClean="0"/>
+              <a:t>25</a:t>
+            </a:fld>
+            <a:endParaRPr lang="en-US"/>
+          </a:p>
+        </p:txBody>
+      </p:sp>
+    </p:spTree>
+    <p:extLst>
+      <p:ext uri="{BB962C8B-B14F-4D97-AF65-F5344CB8AC3E}">
+        <p14:creationId xmlns:p14="http://schemas.microsoft.com/office/powerpoint/2010/main" val="2094514162"/>
+      </p:ext>
+    </p:extLst>
+  </p:cSld>
+  <p:clrMapOvr>
+    <a:masterClrMapping/>
+  </p:clrMapOvr>
+</p:notes>
+</file>
+
+<file path=ppt/notesSlides/notesSlide14.xml><?xml version="1.0" encoding="utf-8"?>
+<p:notes xmlns:a="http://schemas.openxmlformats.org/drawingml/2006/main" xmlns:r="http://schemas.openxmlformats.org/officeDocument/2006/relationships" xmlns:p="http://schemas.openxmlformats.org/presentationml/2006/main">
+  <p:cSld>
+    <p:spTree>
+      <p:nvGrpSpPr>
+        <p:cNvPr id="1" name=""/>
+        <p:cNvGrpSpPr/>
+        <p:nvPr/>
+      </p:nvGrpSpPr>
+      <p:grpSpPr>
+        <a:xfrm>
+          <a:off x="0" y="0"/>
+          <a:ext cx="0" cy="0"/>
+          <a:chOff x="0" y="0"/>
+          <a:chExt cx="0" cy="0"/>
+        </a:xfrm>
+      </p:grpSpPr>
+      <p:sp>
+        <p:nvSpPr>
+          <p:cNvPr id="2" name="Slide Image Placeholder 1"/>
+          <p:cNvSpPr>
+            <a:spLocks noGrp="1" noRot="1" noChangeAspect="1"/>
+          </p:cNvSpPr>
+          <p:nvPr>
+            <p:ph type="sldImg"/>
+          </p:nvPr>
+        </p:nvSpPr>
+        <p:spPr/>
+      </p:sp>
+      <p:sp>
+        <p:nvSpPr>
+          <p:cNvPr id="3" name="Notes Placeholder 2"/>
+          <p:cNvSpPr>
+            <a:spLocks noGrp="1"/>
+          </p:cNvSpPr>
+          <p:nvPr>
+            <p:ph type="body" idx="1"/>
+          </p:nvPr>
+        </p:nvSpPr>
+        <p:spPr/>
+        <p:txBody>
+          <a:bodyPr/>
+          <a:lstStyle/>
+          <a:p>
+            <a:endParaRPr lang="en-US" dirty="0"/>
+          </a:p>
+        </p:txBody>
+      </p:sp>
+      <p:sp>
+        <p:nvSpPr>
+          <p:cNvPr id="4" name="Slide Number Placeholder 3"/>
+          <p:cNvSpPr>
+            <a:spLocks noGrp="1"/>
+          </p:cNvSpPr>
+          <p:nvPr>
+            <p:ph type="sldNum" sz="quarter" idx="10"/>
+          </p:nvPr>
+        </p:nvSpPr>
+        <p:spPr/>
+        <p:txBody>
+          <a:bodyPr/>
+          <a:lstStyle/>
+          <a:p>
+            <a:fld id="{44EB6C7D-DFD8-944D-93E3-D07F7EBDDEA8}" type="slidenum">
+              <a:rPr lang="en-US" smtClean="0"/>
               <a:t>58</a:t>
             </a:fld>
             <a:endParaRPr lang="en-US"/>
@@ -1303,6 +1487,24 @@
           <a:bodyPr/>
           <a:lstStyle/>
           <a:p>
+            <a:r>
+              <a:rPr lang="en-US" dirty="0" smtClean="0"/>
+              <a:t>Entity Relationship</a:t>
+            </a:r>
+            <a:r>
+              <a:rPr lang="en-US" baseline="0" dirty="0" smtClean="0"/>
+              <a:t> Diagram</a:t>
+            </a:r>
+          </a:p>
+          <a:p>
+            <a:r>
+              <a:rPr lang="en-US" dirty="0" smtClean="0"/>
+              <a:t>The</a:t>
+            </a:r>
+            <a:r>
+              <a:rPr lang="en-US" baseline="0" dirty="0" smtClean="0"/>
+              <a:t> list has a one-to-many relationship to the tack</a:t>
+            </a:r>
             <a:endParaRPr lang="en-US" dirty="0"/>
           </a:p>
         </p:txBody>
@@ -1324,7 +1526,7 @@
           <a:p>
             <a:fld id="{44EB6C7D-DFD8-944D-93E3-D07F7EBDDEA8}" type="slidenum">
               <a:rPr lang="en-US" smtClean="0"/>
-              <a:t>15</a:t>
+              <a:t>7</a:t>
             </a:fld>
             <a:endParaRPr lang="en-US"/>
           </a:p>
@@ -1333,7 +1535,7 @@
     </p:spTree>
     <p:extLst>
       <p:ext uri="{BB962C8B-B14F-4D97-AF65-F5344CB8AC3E}">
-        <p14:creationId xmlns:p14="http://schemas.microsoft.com/office/powerpoint/2010/main" val="2149481993"/>
+        <p14:creationId xmlns:p14="http://schemas.microsoft.com/office/powerpoint/2010/main" val="825956245"/>
       </p:ext>
     </p:extLst>
   </p:cSld>
@@ -1387,52 +1589,6 @@
           <a:bodyPr/>
           <a:lstStyle/>
           <a:p>
-            <a:pPr marL="0" marR="0" indent="0" algn="l" defTabSz="457200" rtl="0" eaLnBrk="1" fontAlgn="auto" latinLnBrk="0" hangingPunct="1">
-              <a:lnSpc>
-                <a:spcPct val="100000"/>
-              </a:lnSpc>
-              <a:spcBef>
-                <a:spcPts val="0"/>
-              </a:spcBef>
-              <a:spcAft>
-                <a:spcPts val="0"/>
-              </a:spcAft>
-              <a:buClrTx/>
-              <a:buSzTx/>
-              <a:buFontTx/>
-              <a:buNone/>
-              <a:tabLst/>
-              <a:defRPr/>
-            </a:pPr>
-            <a:r>
-              <a:rPr lang="en-US" dirty="0" smtClean="0">
-                <a:hlinkClick r:id="rId3"/>
-              </a:rPr>
-              <a:t>https://developer.android.com/reference/android/database/sqlite/SQLiteDatabase.html</a:t>
-            </a:r>
-            <a:r>
-              <a:rPr lang="en-US" dirty="0" smtClean="0"/>
-              <a:t> </a:t>
-            </a:r>
-          </a:p>
-          <a:p>
-            <a:pPr marL="0" marR="0" indent="0" algn="l" defTabSz="457200" rtl="0" eaLnBrk="1" fontAlgn="auto" latinLnBrk="0" hangingPunct="1">
-              <a:lnSpc>
-                <a:spcPct val="100000"/>
-              </a:lnSpc>
-              <a:spcBef>
-                <a:spcPts val="0"/>
-              </a:spcBef>
-              <a:spcAft>
-                <a:spcPts val="0"/>
-              </a:spcAft>
-              <a:buClrTx/>
-              <a:buSzTx/>
-              <a:buFontTx/>
-              <a:buNone/>
-              <a:tabLst/>
-              <a:defRPr/>
-            </a:pPr>
             <a:endParaRPr lang="en-US" dirty="0"/>
           </a:p>
         </p:txBody>
@@ -1454,7 +1610,7 @@
           <a:p>
             <a:fld id="{44EB6C7D-DFD8-944D-93E3-D07F7EBDDEA8}" type="slidenum">
               <a:rPr lang="en-US" smtClean="0"/>
-              <a:t>18</a:t>
+              <a:t>15</a:t>
             </a:fld>
             <a:endParaRPr lang="en-US"/>
           </a:p>
@@ -1463,7 +1619,7 @@
     </p:spTree>
     <p:extLst>
       <p:ext uri="{BB962C8B-B14F-4D97-AF65-F5344CB8AC3E}">
-        <p14:creationId xmlns:p14="http://schemas.microsoft.com/office/powerpoint/2010/main" val="3905034873"/>
+        <p14:creationId xmlns:p14="http://schemas.microsoft.com/office/powerpoint/2010/main" val="2149481993"/>
       </p:ext>
     </p:extLst>
   </p:cSld>
@@ -1517,35 +1673,10 @@
           <a:bodyPr/>
           <a:lstStyle/>
           <a:p>
-            <a:pPr marL="0" marR="0" indent="0" algn="l" defTabSz="457200" rtl="0" eaLnBrk="1" fontAlgn="auto" latinLnBrk="0" hangingPunct="1">
-              <a:lnSpc>
-                <a:spcPct val="100000"/>
-              </a:lnSpc>
-              <a:spcBef>
-                <a:spcPts val="0"/>
-              </a:spcBef>
-              <a:spcAft>
-                <a:spcPts val="0"/>
-              </a:spcAft>
-              <a:buClrTx/>
-              <a:buSzTx/>
-              <a:buFontTx/>
-              <a:buNone/>
-              <a:tabLst/>
-              <a:defRPr/>
-            </a:pPr>
-            <a:r>
-              <a:rPr lang="en-US" dirty="0" smtClean="0">
-                <a:hlinkClick r:id="rId3"/>
-              </a:rPr>
-              <a:t>https://developer.android.com/reference/android/database/sqlite/SQLiteOpenHelper.html</a:t>
-            </a:r>
             <a:r>
               <a:rPr lang="en-US" dirty="0" smtClean="0"/>
-              <a:t> </a:t>
-            </a:r>
-          </a:p>
-          <a:p>
+              <a:t>We’ll only be using the ones that are highlighted</a:t>
+            </a:r>
             <a:endParaRPr lang="en-US" dirty="0"/>
           </a:p>
         </p:txBody>
@@ -1567,7 +1698,7 @@
           <a:p>
             <a:fld id="{44EB6C7D-DFD8-944D-93E3-D07F7EBDDEA8}" type="slidenum">
               <a:rPr lang="en-US" smtClean="0"/>
-              <a:t>19</a:t>
+              <a:t>16</a:t>
             </a:fld>
             <a:endParaRPr lang="en-US"/>
           </a:p>
@@ -1576,7 +1707,7 @@
     </p:spTree>
     <p:extLst>
       <p:ext uri="{BB962C8B-B14F-4D97-AF65-F5344CB8AC3E}">
-        <p14:creationId xmlns:p14="http://schemas.microsoft.com/office/powerpoint/2010/main" val="3905034873"/>
+        <p14:creationId xmlns:p14="http://schemas.microsoft.com/office/powerpoint/2010/main" val="602700840"/>
       </p:ext>
     </p:extLst>
   </p:cSld>
@@ -1630,6 +1761,52 @@
           <a:bodyPr/>
           <a:lstStyle/>
           <a:p>
+            <a:pPr marL="0" marR="0" indent="0" algn="l" defTabSz="457200" rtl="0" eaLnBrk="1" fontAlgn="auto" latinLnBrk="0" hangingPunct="1">
+              <a:lnSpc>
+                <a:spcPct val="100000"/>
+              </a:lnSpc>
+              <a:spcBef>
+                <a:spcPts val="0"/>
+              </a:spcBef>
+              <a:spcAft>
+                <a:spcPts val="0"/>
+              </a:spcAft>
+              <a:buClrTx/>
+              <a:buSzTx/>
+              <a:buFontTx/>
+              <a:buNone/>
+              <a:tabLst/>
+              <a:defRPr/>
+            </a:pPr>
+            <a:r>
+              <a:rPr lang="en-US" dirty="0" smtClean="0">
+                <a:hlinkClick r:id="rId3"/>
+              </a:rPr>
+              <a:t>https://developer.android.com/reference/android/database/sqlite/SQLiteDatabase.html</a:t>
+            </a:r>
+            <a:r>
+              <a:rPr lang="en-US" dirty="0" smtClean="0"/>
+              <a:t> </a:t>
+            </a:r>
+          </a:p>
+          <a:p>
+            <a:pPr marL="0" marR="0" indent="0" algn="l" defTabSz="457200" rtl="0" eaLnBrk="1" fontAlgn="auto" latinLnBrk="0" hangingPunct="1">
+              <a:lnSpc>
+                <a:spcPct val="100000"/>
+              </a:lnSpc>
+              <a:spcBef>
+                <a:spcPts val="0"/>
+              </a:spcBef>
+              <a:spcAft>
+                <a:spcPts val="0"/>
+              </a:spcAft>
+              <a:buClrTx/>
+              <a:buSzTx/>
+              <a:buFontTx/>
+              <a:buNone/>
+              <a:tabLst/>
+              <a:defRPr/>
+            </a:pPr>
             <a:endParaRPr lang="en-US" dirty="0"/>
           </a:p>
         </p:txBody>
@@ -1651,7 +1828,7 @@
           <a:p>
             <a:fld id="{44EB6C7D-DFD8-944D-93E3-D07F7EBDDEA8}" type="slidenum">
               <a:rPr lang="en-US" smtClean="0"/>
-              <a:t>22</a:t>
+              <a:t>18</a:t>
             </a:fld>
             <a:endParaRPr lang="en-US"/>
           </a:p>
@@ -1660,7 +1837,7 @@
     </p:spTree>
     <p:extLst>
       <p:ext uri="{BB962C8B-B14F-4D97-AF65-F5344CB8AC3E}">
-        <p14:creationId xmlns:p14="http://schemas.microsoft.com/office/powerpoint/2010/main" val="2094514162"/>
+        <p14:creationId xmlns:p14="http://schemas.microsoft.com/office/powerpoint/2010/main" val="3905034873"/>
       </p:ext>
     </p:extLst>
   </p:cSld>
@@ -1714,22 +1891,35 @@
           <a:bodyPr/>
           <a:lstStyle/>
           <a:p>
+            <a:pPr marL="0" marR="0" indent="0" algn="l" defTabSz="457200" rtl="0" eaLnBrk="1" fontAlgn="auto" latinLnBrk="0" hangingPunct="1">
+              <a:lnSpc>
+                <a:spcPct val="100000"/>
+              </a:lnSpc>
+              <a:spcBef>
+                <a:spcPts val="0"/>
+              </a:spcBef>
+              <a:spcAft>
+                <a:spcPts val="0"/>
+              </a:spcAft>
+              <a:buClrTx/>
+              <a:buSzTx/>
+              <a:buFontTx/>
+              <a:buNone/>
+              <a:tabLst/>
+              <a:defRPr/>
+            </a:pPr>
+            <a:r>
+              <a:rPr lang="en-US" dirty="0" smtClean="0">
+                <a:hlinkClick r:id="rId3"/>
+              </a:rPr>
+              <a:t>https://developer.android.com/reference/android/database/sqlite/SQLiteOpenHelper.html</a:t>
+            </a:r>
             <a:r>
               <a:rPr lang="en-US" dirty="0" smtClean="0"/>
-              <a:t>https://</a:t>
-            </a:r>
-            <a:r>
-              <a:rPr lang="en-US" dirty="0" err="1" smtClean="0"/>
-              <a:t>en.wikipedia.org</a:t>
-            </a:r>
-            <a:r>
-              <a:rPr lang="en-US" dirty="0" smtClean="0"/>
-              <a:t>/wiki/</a:t>
-            </a:r>
-            <a:r>
-              <a:rPr lang="en-US" dirty="0" err="1" smtClean="0"/>
-              <a:t>Multitier_architecture</a:t>
-            </a:r>
+              <a:t> </a:t>
+            </a:r>
+          </a:p>
+          <a:p>
             <a:endParaRPr lang="en-US" dirty="0"/>
           </a:p>
         </p:txBody>
@@ -1751,7 +1941,7 @@
           <a:p>
             <a:fld id="{44EB6C7D-DFD8-944D-93E3-D07F7EBDDEA8}" type="slidenum">
               <a:rPr lang="en-US" smtClean="0"/>
-              <a:t>23</a:t>
+              <a:t>19</a:t>
             </a:fld>
             <a:endParaRPr lang="en-US"/>
           </a:p>
@@ -1760,7 +1950,7 @@
     </p:spTree>
     <p:extLst>
       <p:ext uri="{BB962C8B-B14F-4D97-AF65-F5344CB8AC3E}">
-        <p14:creationId xmlns:p14="http://schemas.microsoft.com/office/powerpoint/2010/main" val="2094514162"/>
+        <p14:creationId xmlns:p14="http://schemas.microsoft.com/office/powerpoint/2010/main" val="3905034873"/>
       </p:ext>
     </p:extLst>
   </p:cSld>
@@ -1951,7 +2141,7 @@
           <a:p>
             <a:fld id="{12110144-19AD-4D4E-902D-E18AF93089D3}" type="datetimeFigureOut">
               <a:rPr lang="en-US" smtClean="0"/>
-              <a:t>7/8/16</a:t>
+              <a:t>7/14/17</a:t>
             </a:fld>
             <a:endParaRPr lang="en-US"/>
           </a:p>
@@ -2121,7 +2311,7 @@
           <a:p>
             <a:fld id="{12110144-19AD-4D4E-902D-E18AF93089D3}" type="datetimeFigureOut">
               <a:rPr lang="en-US" smtClean="0"/>
-              <a:t>7/8/16</a:t>
+              <a:t>7/14/17</a:t>
             </a:fld>
             <a:endParaRPr lang="en-US"/>
           </a:p>
@@ -2301,7 +2491,7 @@
           <a:p>
             <a:fld id="{12110144-19AD-4D4E-902D-E18AF93089D3}" type="datetimeFigureOut">
               <a:rPr lang="en-US" smtClean="0"/>
-              <a:t>7/8/16</a:t>
+              <a:t>7/14/17</a:t>
             </a:fld>
             <a:endParaRPr lang="en-US"/>
           </a:p>
@@ -2471,7 +2661,7 @@
           <a:p>
             <a:fld id="{12110144-19AD-4D4E-902D-E18AF93089D3}" type="datetimeFigureOut">
               <a:rPr lang="en-US" smtClean="0"/>
-              <a:t>7/8/16</a:t>
+              <a:t>7/14/17</a:t>
             </a:fld>
             <a:endParaRPr lang="en-US"/>
           </a:p>
@@ -2717,7 +2907,7 @@
           <a:p>
             <a:fld id="{12110144-19AD-4D4E-902D-E18AF93089D3}" type="datetimeFigureOut">
               <a:rPr lang="en-US" smtClean="0"/>
-              <a:t>7/8/16</a:t>
+              <a:t>7/14/17</a:t>
             </a:fld>
             <a:endParaRPr lang="en-US"/>
           </a:p>
@@ -3005,7 +3195,7 @@
           <a:p>
             <a:fld id="{12110144-19AD-4D4E-902D-E18AF93089D3}" type="datetimeFigureOut">
               <a:rPr lang="en-US" smtClean="0"/>
-              <a:t>7/8/16</a:t>
+              <a:t>7/14/17</a:t>
             </a:fld>
             <a:endParaRPr lang="en-US"/>
           </a:p>
@@ -3427,7 +3617,7 @@
           <a:p>
             <a:fld id="{12110144-19AD-4D4E-902D-E18AF93089D3}" type="datetimeFigureOut">
               <a:rPr lang="en-US" smtClean="0"/>
-              <a:t>7/8/16</a:t>
+              <a:t>7/14/17</a:t>
             </a:fld>
             <a:endParaRPr lang="en-US"/>
           </a:p>
@@ -3545,7 +3735,7 @@
           <a:p>
             <a:fld id="{12110144-19AD-4D4E-902D-E18AF93089D3}" type="datetimeFigureOut">
               <a:rPr lang="en-US" smtClean="0"/>
-              <a:t>7/8/16</a:t>
+              <a:t>7/14/17</a:t>
             </a:fld>
             <a:endParaRPr lang="en-US"/>
           </a:p>
@@ -3640,7 +3830,7 @@
           <a:p>
             <a:fld id="{12110144-19AD-4D4E-902D-E18AF93089D3}" type="datetimeFigureOut">
               <a:rPr lang="en-US" smtClean="0"/>
-              <a:t>7/8/16</a:t>
+              <a:t>7/14/17</a:t>
             </a:fld>
             <a:endParaRPr lang="en-US"/>
           </a:p>
@@ -3917,7 +4107,7 @@
           <a:p>
             <a:fld id="{12110144-19AD-4D4E-902D-E18AF93089D3}" type="datetimeFigureOut">
               <a:rPr lang="en-US" smtClean="0"/>
-              <a:t>7/8/16</a:t>
+              <a:t>7/14/17</a:t>
             </a:fld>
             <a:endParaRPr lang="en-US"/>
           </a:p>
@@ -4170,7 +4360,7 @@
           <a:p>
             <a:fld id="{12110144-19AD-4D4E-902D-E18AF93089D3}" type="datetimeFigureOut">
               <a:rPr lang="en-US" smtClean="0"/>
-              <a:t>7/8/16</a:t>
+              <a:t>7/14/17</a:t>
             </a:fld>
             <a:endParaRPr lang="en-US"/>
           </a:p>
@@ -4401,7 +4591,7 @@
           <a:p>
             <a:fld id="{12110144-19AD-4D4E-902D-E18AF93089D3}" type="datetimeFigureOut">
               <a:rPr lang="en-US" smtClean="0"/>
-              <a:t>7/8/16</a:t>
+              <a:t>7/14/17</a:t>
             </a:fld>
             <a:endParaRPr lang="en-US"/>
           </a:p>
@@ -4887,7 +5077,7 @@
   <p:timing>
     <p:tnLst>
       <p:par>
-        <p:cTn xmlns:p14="http://schemas.microsoft.com/office/powerpoint/2010/main" id="1" dur="indefinite" restart="never" nodeType="tmRoot"/>
+        <p:cTn id="1" dur="indefinite" restart="never" nodeType="tmRoot"/>
       </p:par>
     </p:tnLst>
   </p:timing>
@@ -5034,7 +5224,7 @@
           <p:nvPr>
             <p:extLst>
               <p:ext uri="{D42A27DB-BD31-4B8C-83A1-F6EECF244321}">
-                <p14:modId xmlns:p14="http://schemas.microsoft.com/office/powerpoint/2010/main" val="2700780438"/>
+                <p14:modId xmlns:p14="http://schemas.microsoft.com/office/powerpoint/2010/main" val="237530684"/>
               </p:ext>
             </p:extLst>
           </p:nvPr>
@@ -5088,14 +5278,14 @@
                       <a:r>
                         <a:rPr lang="en-US" dirty="0" smtClean="0">
                           <a:solidFill>
-                            <a:schemeClr val="accent4"/>
+                            <a:srgbClr val="FF0000"/>
                           </a:solidFill>
                         </a:rPr>
                         <a:t>list_id</a:t>
                       </a:r>
                       <a:endParaRPr lang="en-US" dirty="0">
                         <a:solidFill>
-                          <a:schemeClr val="accent4"/>
+                          <a:srgbClr val="FF0000"/>
                         </a:solidFill>
                       </a:endParaRPr>
                     </a:p>
@@ -5590,7 +5780,7 @@
           <a:noFill/>
           <a:ln w="9525" cap="flat" cmpd="sng" algn="ctr">
             <a:solidFill>
-              <a:schemeClr val="accent2"/>
+              <a:srgbClr val="FF0000"/>
             </a:solidFill>
             <a:prstDash val="solid"/>
             <a:round/>
@@ -5649,7 +5839,7 @@
   <p:timing>
     <p:tnLst>
       <p:par>
-        <p:cTn xmlns:p14="http://schemas.microsoft.com/office/powerpoint/2010/main" id="1" dur="indefinite" restart="never" nodeType="tmRoot"/>
+        <p:cTn id="1" dur="indefinite" restart="never" nodeType="tmRoot"/>
       </p:par>
     </p:tnLst>
   </p:timing>
@@ -6484,7 +6674,7 @@
   <p:timing>
     <p:tnLst>
       <p:par>
-        <p:cTn xmlns:p14="http://schemas.microsoft.com/office/powerpoint/2010/main" id="1" dur="indefinite" restart="never" nodeType="tmRoot"/>
+        <p:cTn id="1" dur="indefinite" restart="never" nodeType="tmRoot"/>
       </p:par>
     </p:tnLst>
   </p:timing>
@@ -6745,7 +6935,7 @@
   <p:timing>
     <p:tnLst>
       <p:par>
-        <p:cTn xmlns:p14="http://schemas.microsoft.com/office/powerpoint/2010/main" id="1" dur="indefinite" restart="never" nodeType="tmRoot"/>
+        <p:cTn id="1" dur="indefinite" restart="never" nodeType="tmRoot"/>
       </p:par>
     </p:tnLst>
   </p:timing>
@@ -6888,12 +7078,12 @@
           <a:graphicData uri="http://schemas.openxmlformats.org/presentationml/2006/ole">
             <mc:AlternateContent xmlns:mc="http://schemas.openxmlformats.org/markup-compatibility/2006">
               <mc:Choice xmlns:v="urn:schemas-microsoft-com:vml" Requires="v">
-                <p:oleObj spid="_x0000_s43039" name="Document" r:id="rId4" imgW="6864202" imgH="5102595" progId="Word.Document.12">
+                <p:oleObj spid="_x0000_s43043" name="Document" r:id="rId3" imgW="6864202" imgH="5102595" progId="Word.Document.12">
                   <p:embed/>
                 </p:oleObj>
               </mc:Choice>
               <mc:Fallback>
-                <p:oleObj name="Document" r:id="rId4" imgW="6864202" imgH="5102595" progId="Word.Document.12">
+                <p:oleObj name="Document" r:id="rId3" imgW="6864202" imgH="5102595" progId="Word.Document.12">
                   <p:embed/>
                   <p:pic>
                     <p:nvPicPr>
@@ -6902,7 +7092,7 @@
                       <p:nvPr/>
                     </p:nvPicPr>
                     <p:blipFill>
-                      <a:blip r:embed="rId5"/>
+                      <a:blip r:embed="rId4"/>
                       <a:stretch>
                         <a:fillRect/>
                       </a:stretch>
@@ -6936,7 +7126,7 @@
   <p:timing>
     <p:tnLst>
       <p:par>
-        <p:cTn xmlns:p14="http://schemas.microsoft.com/office/powerpoint/2010/main" id="1" dur="indefinite" restart="never" nodeType="tmRoot"/>
+        <p:cTn id="1" dur="indefinite" restart="never" nodeType="tmRoot"/>
       </p:par>
     </p:tnLst>
   </p:timing>
@@ -7079,12 +7269,12 @@
           <a:graphicData uri="http://schemas.openxmlformats.org/presentationml/2006/ole">
             <mc:AlternateContent xmlns:mc="http://schemas.openxmlformats.org/markup-compatibility/2006">
               <mc:Choice xmlns:v="urn:schemas-microsoft-com:vml" Requires="v">
-                <p:oleObj spid="_x0000_s44063" name="Document" r:id="rId4" imgW="6965729" imgH="1603550" progId="Word.Document.12">
+                <p:oleObj spid="_x0000_s44067" name="Document" r:id="rId3" imgW="6965729" imgH="1603550" progId="Word.Document.12">
                   <p:embed/>
                 </p:oleObj>
               </mc:Choice>
               <mc:Fallback>
-                <p:oleObj name="Document" r:id="rId4" imgW="6965729" imgH="1603550" progId="Word.Document.12">
+                <p:oleObj name="Document" r:id="rId3" imgW="6965729" imgH="1603550" progId="Word.Document.12">
                   <p:embed/>
                   <p:pic>
                     <p:nvPicPr>
@@ -7093,7 +7283,7 @@
                       <p:nvPr/>
                     </p:nvPicPr>
                     <p:blipFill>
-                      <a:blip r:embed="rId5"/>
+                      <a:blip r:embed="rId4"/>
                       <a:stretch>
                         <a:fillRect/>
                       </a:stretch>
@@ -7127,7 +7317,7 @@
   <p:timing>
     <p:tnLst>
       <p:par>
-        <p:cTn xmlns:p14="http://schemas.microsoft.com/office/powerpoint/2010/main" id="1" dur="indefinite" restart="never" nodeType="tmRoot"/>
+        <p:cTn id="1" dur="indefinite" restart="never" nodeType="tmRoot"/>
       </p:par>
     </p:tnLst>
   </p:timing>
@@ -7249,7 +7439,7 @@
   <p:timing>
     <p:tnLst>
       <p:par>
-        <p:cTn xmlns:p14="http://schemas.microsoft.com/office/powerpoint/2010/main" id="1" dur="indefinite" restart="never" nodeType="tmRoot"/>
+        <p:cTn id="1" dur="indefinite" restart="never" nodeType="tmRoot"/>
       </p:par>
     </p:tnLst>
   </p:timing>
@@ -7326,6 +7516,11 @@
             <a:off x="457200" y="1451429"/>
             <a:ext cx="4038600" cy="4983239"/>
           </a:xfrm>
+          <a:effectLst>
+            <a:glow rad="127000">
+              <a:srgbClr val="FFFF00"/>
+            </a:glow>
+          </a:effectLst>
         </p:spPr>
         <p:txBody>
           <a:bodyPr>
@@ -7388,8 +7583,18 @@
           </a:p>
           <a:p>
             <a:r>
+              <a:rPr lang="en-US" b="1" i="1" dirty="0" smtClean="0">
+                <a:effectLst>
+                  <a:glow rad="127000">
+                    <a:srgbClr val="FFFF00"/>
+                  </a:glow>
+                </a:effectLst>
+              </a:rPr>
+              <a:t>SQLiteDatabase</a:t>
+            </a:r>
+            <a:r>
               <a:rPr lang="en-US" b="1" i="1" dirty="0" smtClean="0"/>
-              <a:t>SQLiteDatabase</a:t>
+              <a:t/>
             </a:r>
             <a:br>
               <a:rPr lang="en-US" b="1" i="1" dirty="0" smtClean="0"/>
@@ -7410,7 +7615,13 @@
           </a:p>
           <a:p>
             <a:r>
-              <a:rPr lang="en-US" b="1" i="1" dirty="0" err="1"/>
+              <a:rPr lang="en-US" b="1" i="1" dirty="0" err="1">
+                <a:effectLst>
+                  <a:glow rad="127000">
+                    <a:srgbClr val="FFFF00"/>
+                  </a:glow>
+                </a:effectLst>
+              </a:rPr>
               <a:t>SQLiteOpenHelper</a:t>
             </a:r>
             <a:r>
@@ -8312,7 +8523,7 @@
         </p:nvGraphicFramePr>
         <p:xfrm>
           <a:off x="457200" y="1404470"/>
-          <a:ext cx="3811200" cy="5152683"/>
+          <a:ext cx="3811200" cy="5152684"/>
         </p:xfrm>
         <a:graphic>
           <a:graphicData uri="http://schemas.openxmlformats.org/drawingml/2006/table">
@@ -8727,14 +8938,14 @@
             <p:ph sz="half" idx="2"/>
             <p:extLst>
               <p:ext uri="{D42A27DB-BD31-4B8C-83A1-F6EECF244321}">
-                <p14:modId xmlns:p14="http://schemas.microsoft.com/office/powerpoint/2010/main" val="1432207508"/>
+                <p14:modId xmlns:p14="http://schemas.microsoft.com/office/powerpoint/2010/main" val="1702357411"/>
               </p:ext>
             </p:extLst>
           </p:nvPr>
         </p:nvGraphicFramePr>
         <p:xfrm>
           <a:off x="4412426" y="1404470"/>
-          <a:ext cx="4274374" cy="3866745"/>
+          <a:ext cx="4274374" cy="5174460"/>
         </p:xfrm>
         <a:graphic>
           <a:graphicData uri="http://schemas.openxmlformats.org/drawingml/2006/table">
@@ -8746,7 +8957,7 @@
                 <a:gridCol w="589196"/>
                 <a:gridCol w="3685178"/>
               </a:tblGrid>
-              <a:tr h="375862">
+              <a:tr h="401436">
                 <a:tc>
                   <a:txBody>
                     <a:bodyPr/>
@@ -8776,7 +8987,68 @@
                   <a:tcPr/>
                 </a:tc>
               </a:tr>
-              <a:tr h="957676">
+              <a:tr h="723538">
+                <a:tc>
+                  <a:txBody>
+                    <a:bodyPr/>
+                    <a:lstStyle/>
+                    <a:p>
+                      <a:r>
+                        <a:rPr lang="en-US" sz="2800" smtClean="0"/>
+                        <a:t>3</a:t>
+                      </a:r>
+                      <a:endParaRPr lang="en-US" sz="2800" dirty="0"/>
+                    </a:p>
+                  </a:txBody>
+                  <a:tcPr>
+                    <a:solidFill>
+                      <a:schemeClr val="accent1">
+                        <a:lumMod val="20000"/>
+                        <a:lumOff val="80000"/>
+                      </a:schemeClr>
+                    </a:solidFill>
+                  </a:tcPr>
+                </a:tc>
+                <a:tc>
+                  <a:txBody>
+                    <a:bodyPr/>
+                    <a:lstStyle/>
+                    <a:p>
+                      <a:pPr marL="0" marR="0" indent="0" algn="l" defTabSz="457200" rtl="0" eaLnBrk="1" fontAlgn="auto" latinLnBrk="0" hangingPunct="1">
+                        <a:lnSpc>
+                          <a:spcPct val="100000"/>
+                        </a:lnSpc>
+                        <a:spcBef>
+                          <a:spcPts val="0"/>
+                        </a:spcBef>
+                        <a:spcAft>
+                          <a:spcPts val="0"/>
+                        </a:spcAft>
+                        <a:buClrTx/>
+                        <a:buSzTx/>
+                        <a:buFontTx/>
+                        <a:buNone/>
+                        <a:tabLst/>
+                        <a:defRPr/>
+                      </a:pPr>
+                      <a:r>
+                        <a:rPr lang="en-US" sz="2800" dirty="0" smtClean="0"/>
+                        <a:t>Fragments</a:t>
+                      </a:r>
+                      <a:endParaRPr lang="en-US" sz="2800" dirty="0" smtClean="0"/>
+                    </a:p>
+                  </a:txBody>
+                  <a:tcPr>
+                    <a:solidFill>
+                      <a:schemeClr val="accent1">
+                        <a:lumMod val="20000"/>
+                        <a:lumOff val="80000"/>
+                      </a:schemeClr>
+                    </a:solidFill>
+                  </a:tcPr>
+                </a:tc>
+              </a:tr>
+              <a:tr h="1022838">
                 <a:tc>
                   <a:txBody>
                     <a:bodyPr/>
@@ -8860,7 +9132,7 @@
                   </a:tcPr>
                 </a:tc>
               </a:tr>
-              <a:tr h="525177">
+              <a:tr h="663458">
                 <a:tc>
                   <a:txBody>
                     <a:bodyPr/>
@@ -8918,7 +9190,7 @@
                   </a:tcPr>
                 </a:tc>
               </a:tr>
-              <a:tr h="525177">
+              <a:tr h="688769">
                 <a:tc>
                   <a:txBody>
                     <a:bodyPr/>
@@ -8977,7 +9249,7 @@
                   </a:tcPr>
                 </a:tc>
               </a:tr>
-              <a:tr h="957676">
+              <a:tr h="1022838">
                 <a:tc>
                   <a:txBody>
                     <a:bodyPr/>
@@ -9023,7 +9295,7 @@
                   <a:tcPr/>
                 </a:tc>
               </a:tr>
-              <a:tr h="525177">
+              <a:tr h="651583">
                 <a:tc>
                   <a:txBody>
                     <a:bodyPr/>
@@ -9086,7 +9358,7 @@
   <p:timing>
     <p:tnLst>
       <p:par>
-        <p:cTn xmlns:p14="http://schemas.microsoft.com/office/powerpoint/2010/main" id="1" dur="indefinite" restart="never" nodeType="tmRoot"/>
+        <p:cTn id="1" dur="indefinite" restart="never" nodeType="tmRoot"/>
       </p:par>
     </p:tnLst>
   </p:timing>
@@ -9132,6 +9404,7 @@
           </a:bodyPr>
           <a:lstStyle/>
           <a:p>
+            <a:pPr algn="ctr"/>
             <a:r>
               <a:rPr lang="en-US" sz="3600" dirty="0" smtClean="0">
                 <a:solidFill>
@@ -9297,7 +9570,7 @@
   <p:timing>
     <p:tnLst>
       <p:par>
-        <p:cTn xmlns:p14="http://schemas.microsoft.com/office/powerpoint/2010/main" id="1" dur="indefinite" restart="never" nodeType="tmRoot"/>
+        <p:cTn id="1" dur="indefinite" restart="never" nodeType="tmRoot"/>
       </p:par>
     </p:tnLst>
   </p:timing>
@@ -9343,6 +9616,7 @@
           </a:bodyPr>
           <a:lstStyle/>
           <a:p>
+            <a:pPr algn="ctr"/>
             <a:r>
               <a:rPr lang="en-US" sz="3600" dirty="0" smtClean="0">
                 <a:solidFill>
@@ -9369,6 +9643,7 @@
             </a:endParaRPr>
           </a:p>
           <a:p>
+            <a:pPr algn="ctr"/>
             <a:r>
               <a:rPr lang="en-US" sz="3600" dirty="0" smtClean="0">
                 <a:solidFill>
@@ -9558,7 +9833,7 @@
   <p:timing>
     <p:tnLst>
       <p:par>
-        <p:cTn xmlns:p14="http://schemas.microsoft.com/office/powerpoint/2010/main" id="1" dur="indefinite" restart="never" nodeType="tmRoot"/>
+        <p:cTn id="1" dur="indefinite" restart="never" nodeType="tmRoot"/>
       </p:par>
     </p:tnLst>
   </p:timing>
@@ -9747,7 +10022,7 @@
   <p:timing>
     <p:tnLst>
       <p:par>
-        <p:cTn xmlns:p14="http://schemas.microsoft.com/office/powerpoint/2010/main" id="1" dur="indefinite" restart="never" nodeType="tmRoot"/>
+        <p:cTn id="1" dur="indefinite" restart="never" nodeType="tmRoot"/>
       </p:par>
     </p:tnLst>
   </p:timing>
@@ -9837,7 +10112,7 @@
   <p:timing>
     <p:tnLst>
       <p:par>
-        <p:cTn xmlns:p14="http://schemas.microsoft.com/office/powerpoint/2010/main" id="1" dur="indefinite" restart="never" nodeType="tmRoot"/>
+        <p:cTn id="1" dur="indefinite" restart="never" nodeType="tmRoot"/>
       </p:par>
     </p:tnLst>
   </p:timing>
@@ -9984,7 +10259,7 @@
   <p:timing>
     <p:tnLst>
       <p:par>
-        <p:cTn xmlns:p14="http://schemas.microsoft.com/office/powerpoint/2010/main" id="1" dur="indefinite" restart="never" nodeType="tmRoot"/>
+        <p:cTn id="1" dur="indefinite" restart="never" nodeType="tmRoot"/>
       </p:par>
     </p:tnLst>
   </p:timing>
@@ -10149,7 +10424,7 @@
   <p:timing>
     <p:tnLst>
       <p:par>
-        <p:cTn xmlns:p14="http://schemas.microsoft.com/office/powerpoint/2010/main" id="1" dur="indefinite" restart="never" nodeType="tmRoot"/>
+        <p:cTn id="1" dur="indefinite" restart="never" nodeType="tmRoot"/>
       </p:par>
     </p:tnLst>
   </p:timing>
@@ -10314,12 +10589,12 @@
           <a:graphicData uri="http://schemas.openxmlformats.org/presentationml/2006/ole">
             <mc:AlternateContent xmlns:mc="http://schemas.openxmlformats.org/markup-compatibility/2006">
               <mc:Choice xmlns:v="urn:schemas-microsoft-com:vml" Requires="v">
-                <p:oleObj spid="_x0000_s45087" name="Document" r:id="rId4" imgW="6864119" imgH="4072548" progId="Word.Document.12">
+                <p:oleObj spid="_x0000_s45091" name="Document" r:id="rId3" imgW="6864119" imgH="4072548" progId="Word.Document.12">
                   <p:embed/>
                 </p:oleObj>
               </mc:Choice>
               <mc:Fallback>
-                <p:oleObj name="Document" r:id="rId4" imgW="6864119" imgH="4072548" progId="Word.Document.12">
+                <p:oleObj name="Document" r:id="rId3" imgW="6864119" imgH="4072548" progId="Word.Document.12">
                   <p:embed/>
                   <p:pic>
                     <p:nvPicPr>
@@ -10328,7 +10603,7 @@
                       <p:nvPr/>
                     </p:nvPicPr>
                     <p:blipFill>
-                      <a:blip r:embed="rId5"/>
+                      <a:blip r:embed="rId4"/>
                       <a:stretch>
                         <a:fillRect/>
                       </a:stretch>
@@ -10362,7 +10637,7 @@
   <p:timing>
     <p:tnLst>
       <p:par>
-        <p:cTn xmlns:p14="http://schemas.microsoft.com/office/powerpoint/2010/main" id="1" dur="indefinite" restart="never" nodeType="tmRoot"/>
+        <p:cTn id="1" dur="indefinite" restart="never" nodeType="tmRoot"/>
       </p:par>
     </p:tnLst>
   </p:timing>
@@ -10527,12 +10802,12 @@
           <a:graphicData uri="http://schemas.openxmlformats.org/presentationml/2006/ole">
             <mc:AlternateContent xmlns:mc="http://schemas.openxmlformats.org/markup-compatibility/2006">
               <mc:Choice xmlns:v="urn:schemas-microsoft-com:vml" Requires="v">
-                <p:oleObj spid="_x0000_s46111" name="Document" r:id="rId4" imgW="6864119" imgH="4678614" progId="Word.Document.12">
+                <p:oleObj spid="_x0000_s46115" name="Document" r:id="rId3" imgW="6864119" imgH="4678614" progId="Word.Document.12">
                   <p:embed/>
                 </p:oleObj>
               </mc:Choice>
               <mc:Fallback>
-                <p:oleObj name="Document" r:id="rId4" imgW="6864119" imgH="4678614" progId="Word.Document.12">
+                <p:oleObj name="Document" r:id="rId3" imgW="6864119" imgH="4678614" progId="Word.Document.12">
                   <p:embed/>
                   <p:pic>
                     <p:nvPicPr>
@@ -10541,7 +10816,7 @@
                       <p:nvPr/>
                     </p:nvPicPr>
                     <p:blipFill>
-                      <a:blip r:embed="rId5"/>
+                      <a:blip r:embed="rId4"/>
                       <a:stretch>
                         <a:fillRect/>
                       </a:stretch>
@@ -10575,7 +10850,7 @@
   <p:timing>
     <p:tnLst>
       <p:par>
-        <p:cTn xmlns:p14="http://schemas.microsoft.com/office/powerpoint/2010/main" id="1" dur="indefinite" restart="never" nodeType="tmRoot"/>
+        <p:cTn id="1" dur="indefinite" restart="never" nodeType="tmRoot"/>
       </p:par>
     </p:tnLst>
   </p:timing>
@@ -10740,12 +11015,12 @@
           <a:graphicData uri="http://schemas.openxmlformats.org/presentationml/2006/ole">
             <mc:AlternateContent xmlns:mc="http://schemas.openxmlformats.org/markup-compatibility/2006">
               <mc:Choice xmlns:v="urn:schemas-microsoft-com:vml" Requires="v">
-                <p:oleObj spid="_x0000_s47135" name="Document" r:id="rId4" imgW="6864202" imgH="4689864" progId="Word.Document.12">
+                <p:oleObj spid="_x0000_s47139" name="Document" r:id="rId3" imgW="6864202" imgH="4689864" progId="Word.Document.12">
                   <p:embed/>
                 </p:oleObj>
               </mc:Choice>
               <mc:Fallback>
-                <p:oleObj name="Document" r:id="rId4" imgW="6864202" imgH="4689864" progId="Word.Document.12">
+                <p:oleObj name="Document" r:id="rId3" imgW="6864202" imgH="4689864" progId="Word.Document.12">
                   <p:embed/>
                   <p:pic>
                     <p:nvPicPr>
@@ -10754,7 +11029,7 @@
                       <p:nvPr/>
                     </p:nvPicPr>
                     <p:blipFill>
-                      <a:blip r:embed="rId5"/>
+                      <a:blip r:embed="rId4"/>
                       <a:stretch>
                         <a:fillRect/>
                       </a:stretch>
@@ -10788,7 +11063,7 @@
   <p:timing>
     <p:tnLst>
       <p:par>
-        <p:cTn xmlns:p14="http://schemas.microsoft.com/office/powerpoint/2010/main" id="1" dur="indefinite" restart="never" nodeType="tmRoot"/>
+        <p:cTn id="1" dur="indefinite" restart="never" nodeType="tmRoot"/>
       </p:par>
     </p:tnLst>
   </p:timing>
@@ -10953,12 +11228,12 @@
           <a:graphicData uri="http://schemas.openxmlformats.org/presentationml/2006/ole">
             <mc:AlternateContent xmlns:mc="http://schemas.openxmlformats.org/markup-compatibility/2006">
               <mc:Choice xmlns:v="urn:schemas-microsoft-com:vml" Requires="v">
-                <p:oleObj spid="_x0000_s48159" name="Document" r:id="rId4" imgW="7169398" imgH="4553367" progId="Word.Document.12">
+                <p:oleObj spid="_x0000_s48163" name="Document" r:id="rId3" imgW="7169398" imgH="4553367" progId="Word.Document.12">
                   <p:embed/>
                 </p:oleObj>
               </mc:Choice>
               <mc:Fallback>
-                <p:oleObj name="Document" r:id="rId4" imgW="7169398" imgH="4553367" progId="Word.Document.12">
+                <p:oleObj name="Document" r:id="rId3" imgW="7169398" imgH="4553367" progId="Word.Document.12">
                   <p:embed/>
                   <p:pic>
                     <p:nvPicPr>
@@ -10967,7 +11242,7 @@
                       <p:nvPr/>
                     </p:nvPicPr>
                     <p:blipFill>
-                      <a:blip r:embed="rId5"/>
+                      <a:blip r:embed="rId4"/>
                       <a:stretch>
                         <a:fillRect/>
                       </a:stretch>
@@ -11001,7 +11276,7 @@
   <p:timing>
     <p:tnLst>
       <p:par>
-        <p:cTn xmlns:p14="http://schemas.microsoft.com/office/powerpoint/2010/main" id="1" dur="indefinite" restart="never" nodeType="tmRoot"/>
+        <p:cTn id="1" dur="indefinite" restart="never" nodeType="tmRoot"/>
       </p:par>
     </p:tnLst>
   </p:timing>
@@ -11123,7 +11398,7 @@
   <p:timing>
     <p:tnLst>
       <p:par>
-        <p:cTn xmlns:p14="http://schemas.microsoft.com/office/powerpoint/2010/main" id="1" dur="indefinite" restart="never" nodeType="tmRoot"/>
+        <p:cTn id="1" dur="indefinite" restart="never" nodeType="tmRoot"/>
       </p:par>
     </p:tnLst>
   </p:timing>
@@ -11288,12 +11563,12 @@
           <a:graphicData uri="http://schemas.openxmlformats.org/presentationml/2006/ole">
             <mc:AlternateContent xmlns:mc="http://schemas.openxmlformats.org/markup-compatibility/2006">
               <mc:Choice xmlns:v="urn:schemas-microsoft-com:vml" Requires="v">
-                <p:oleObj spid="_x0000_s49183" name="Document" r:id="rId4" imgW="6864202" imgH="3470038" progId="Word.Document.12">
+                <p:oleObj spid="_x0000_s49187" name="Document" r:id="rId3" imgW="6864202" imgH="3470038" progId="Word.Document.12">
                   <p:embed/>
                 </p:oleObj>
               </mc:Choice>
               <mc:Fallback>
-                <p:oleObj name="Document" r:id="rId4" imgW="6864202" imgH="3470038" progId="Word.Document.12">
+                <p:oleObj name="Document" r:id="rId3" imgW="6864202" imgH="3470038" progId="Word.Document.12">
                   <p:embed/>
                   <p:pic>
                     <p:nvPicPr>
@@ -11302,7 +11577,7 @@
                       <p:nvPr/>
                     </p:nvPicPr>
                     <p:blipFill>
-                      <a:blip r:embed="rId5"/>
+                      <a:blip r:embed="rId4"/>
                       <a:stretch>
                         <a:fillRect/>
                       </a:stretch>
@@ -11336,7 +11611,7 @@
   <p:timing>
     <p:tnLst>
       <p:par>
-        <p:cTn xmlns:p14="http://schemas.microsoft.com/office/powerpoint/2010/main" id="1" dur="indefinite" restart="never" nodeType="tmRoot"/>
+        <p:cTn id="1" dur="indefinite" restart="never" nodeType="tmRoot"/>
       </p:par>
     </p:tnLst>
   </p:timing>
@@ -11501,12 +11776,12 @@
           <a:graphicData uri="http://schemas.openxmlformats.org/presentationml/2006/ole">
             <mc:AlternateContent xmlns:mc="http://schemas.openxmlformats.org/markup-compatibility/2006">
               <mc:Choice xmlns:v="urn:schemas-microsoft-com:vml" Requires="v">
-                <p:oleObj spid="_x0000_s50207" name="Document" r:id="rId4" imgW="6864202" imgH="5290232" progId="Word.Document.12">
+                <p:oleObj spid="_x0000_s50211" name="Document" r:id="rId3" imgW="6864202" imgH="5290232" progId="Word.Document.12">
                   <p:embed/>
                 </p:oleObj>
               </mc:Choice>
               <mc:Fallback>
-                <p:oleObj name="Document" r:id="rId4" imgW="6864202" imgH="5290232" progId="Word.Document.12">
+                <p:oleObj name="Document" r:id="rId3" imgW="6864202" imgH="5290232" progId="Word.Document.12">
                   <p:embed/>
                   <p:pic>
                     <p:nvPicPr>
@@ -11515,7 +11790,7 @@
                       <p:nvPr/>
                     </p:nvPicPr>
                     <p:blipFill>
-                      <a:blip r:embed="rId5"/>
+                      <a:blip r:embed="rId4"/>
                       <a:stretch>
                         <a:fillRect/>
                       </a:stretch>
@@ -11549,7 +11824,7 @@
   <p:timing>
     <p:tnLst>
       <p:par>
-        <p:cTn xmlns:p14="http://schemas.microsoft.com/office/powerpoint/2010/main" id="1" dur="indefinite" restart="never" nodeType="tmRoot"/>
+        <p:cTn id="1" dur="indefinite" restart="never" nodeType="tmRoot"/>
       </p:par>
     </p:tnLst>
   </p:timing>
@@ -11714,12 +11989,12 @@
           <a:graphicData uri="http://schemas.openxmlformats.org/presentationml/2006/ole">
             <mc:AlternateContent xmlns:mc="http://schemas.openxmlformats.org/markup-compatibility/2006">
               <mc:Choice xmlns:v="urn:schemas-microsoft-com:vml" Requires="v">
-                <p:oleObj spid="_x0000_s51231" name="Document" r:id="rId4" imgW="6864202" imgH="3670281" progId="Word.Document.12">
+                <p:oleObj spid="_x0000_s51235" name="Document" r:id="rId3" imgW="6864202" imgH="3670281" progId="Word.Document.12">
                   <p:embed/>
                 </p:oleObj>
               </mc:Choice>
               <mc:Fallback>
-                <p:oleObj name="Document" r:id="rId4" imgW="6864202" imgH="3670281" progId="Word.Document.12">
+                <p:oleObj name="Document" r:id="rId3" imgW="6864202" imgH="3670281" progId="Word.Document.12">
                   <p:embed/>
                   <p:pic>
                     <p:nvPicPr>
@@ -11728,7 +12003,7 @@
                       <p:nvPr/>
                     </p:nvPicPr>
                     <p:blipFill>
-                      <a:blip r:embed="rId5"/>
+                      <a:blip r:embed="rId4"/>
                       <a:stretch>
                         <a:fillRect/>
                       </a:stretch>
@@ -11762,7 +12037,7 @@
   <p:timing>
     <p:tnLst>
       <p:par>
-        <p:cTn xmlns:p14="http://schemas.microsoft.com/office/powerpoint/2010/main" id="1" dur="indefinite" restart="never" nodeType="tmRoot"/>
+        <p:cTn id="1" dur="indefinite" restart="never" nodeType="tmRoot"/>
       </p:par>
     </p:tnLst>
   </p:timing>
@@ -11927,12 +12202,12 @@
           <a:graphicData uri="http://schemas.openxmlformats.org/presentationml/2006/ole">
             <mc:AlternateContent xmlns:mc="http://schemas.openxmlformats.org/markup-compatibility/2006">
               <mc:Choice xmlns:v="urn:schemas-microsoft-com:vml" Requires="v">
-                <p:oleObj spid="_x0000_s52255" name="Document" r:id="rId4" imgW="6864202" imgH="4081571" progId="Word.Document.12">
+                <p:oleObj spid="_x0000_s52259" name="Document" r:id="rId3" imgW="6864202" imgH="4081571" progId="Word.Document.12">
                   <p:embed/>
                 </p:oleObj>
               </mc:Choice>
               <mc:Fallback>
-                <p:oleObj name="Document" r:id="rId4" imgW="6864202" imgH="4081571" progId="Word.Document.12">
+                <p:oleObj name="Document" r:id="rId3" imgW="6864202" imgH="4081571" progId="Word.Document.12">
                   <p:embed/>
                   <p:pic>
                     <p:nvPicPr>
@@ -11941,7 +12216,7 @@
                       <p:nvPr/>
                     </p:nvPicPr>
                     <p:blipFill>
-                      <a:blip r:embed="rId5"/>
+                      <a:blip r:embed="rId4"/>
                       <a:stretch>
                         <a:fillRect/>
                       </a:stretch>
@@ -11975,7 +12250,7 @@
   <p:timing>
     <p:tnLst>
       <p:par>
-        <p:cTn xmlns:p14="http://schemas.microsoft.com/office/powerpoint/2010/main" id="1" dur="indefinite" restart="never" nodeType="tmRoot"/>
+        <p:cTn id="1" dur="indefinite" restart="never" nodeType="tmRoot"/>
       </p:par>
     </p:tnLst>
   </p:timing>
@@ -12140,12 +12415,12 @@
           <a:graphicData uri="http://schemas.openxmlformats.org/presentationml/2006/ole">
             <mc:AlternateContent xmlns:mc="http://schemas.openxmlformats.org/markup-compatibility/2006">
               <mc:Choice xmlns:v="urn:schemas-microsoft-com:vml" Requires="v">
-                <p:oleObj spid="_x0000_s53279" name="Document" r:id="rId4" imgW="6864202" imgH="5267903" progId="Word.Document.12">
+                <p:oleObj spid="_x0000_s53283" name="Document" r:id="rId3" imgW="6864202" imgH="5267903" progId="Word.Document.12">
                   <p:embed/>
                 </p:oleObj>
               </mc:Choice>
               <mc:Fallback>
-                <p:oleObj name="Document" r:id="rId4" imgW="6864202" imgH="5267903" progId="Word.Document.12">
+                <p:oleObj name="Document" r:id="rId3" imgW="6864202" imgH="5267903" progId="Word.Document.12">
                   <p:embed/>
                   <p:pic>
                     <p:nvPicPr>
@@ -12154,7 +12429,7 @@
                       <p:nvPr/>
                     </p:nvPicPr>
                     <p:blipFill>
-                      <a:blip r:embed="rId5"/>
+                      <a:blip r:embed="rId4"/>
                       <a:stretch>
                         <a:fillRect/>
                       </a:stretch>
@@ -12188,7 +12463,7 @@
   <p:timing>
     <p:tnLst>
       <p:par>
-        <p:cTn xmlns:p14="http://schemas.microsoft.com/office/powerpoint/2010/main" id="1" dur="indefinite" restart="never" nodeType="tmRoot"/>
+        <p:cTn id="1" dur="indefinite" restart="never" nodeType="tmRoot"/>
       </p:par>
     </p:tnLst>
   </p:timing>
@@ -12353,12 +12628,12 @@
           <a:graphicData uri="http://schemas.openxmlformats.org/presentationml/2006/ole">
             <mc:AlternateContent xmlns:mc="http://schemas.openxmlformats.org/markup-compatibility/2006">
               <mc:Choice xmlns:v="urn:schemas-microsoft-com:vml" Requires="v">
-                <p:oleObj spid="_x0000_s54303" name="Document" r:id="rId4" imgW="7283621" imgH="4756491" progId="Word.Document.12">
+                <p:oleObj spid="_x0000_s54307" name="Document" r:id="rId3" imgW="7283621" imgH="4756491" progId="Word.Document.12">
                   <p:embed/>
                 </p:oleObj>
               </mc:Choice>
               <mc:Fallback>
-                <p:oleObj name="Document" r:id="rId4" imgW="7283621" imgH="4756491" progId="Word.Document.12">
+                <p:oleObj name="Document" r:id="rId3" imgW="7283621" imgH="4756491" progId="Word.Document.12">
                   <p:embed/>
                   <p:pic>
                     <p:nvPicPr>
@@ -12367,7 +12642,7 @@
                       <p:nvPr/>
                     </p:nvPicPr>
                     <p:blipFill>
-                      <a:blip r:embed="rId5"/>
+                      <a:blip r:embed="rId4"/>
                       <a:stretch>
                         <a:fillRect/>
                       </a:stretch>
@@ -12401,7 +12676,7 @@
   <p:timing>
     <p:tnLst>
       <p:par>
-        <p:cTn xmlns:p14="http://schemas.microsoft.com/office/powerpoint/2010/main" id="1" dur="indefinite" restart="never" nodeType="tmRoot"/>
+        <p:cTn id="1" dur="indefinite" restart="never" nodeType="tmRoot"/>
       </p:par>
     </p:tnLst>
   </p:timing>
@@ -12566,12 +12841,12 @@
           <a:graphicData uri="http://schemas.openxmlformats.org/presentationml/2006/ole">
             <mc:AlternateContent xmlns:mc="http://schemas.openxmlformats.org/markup-compatibility/2006">
               <mc:Choice xmlns:v="urn:schemas-microsoft-com:vml" Requires="v">
-                <p:oleObj spid="_x0000_s55327" name="Document" r:id="rId4" imgW="7913470" imgH="4750009" progId="Word.Document.12">
+                <p:oleObj spid="_x0000_s55331" name="Document" r:id="rId3" imgW="7913470" imgH="4750009" progId="Word.Document.12">
                   <p:embed/>
                 </p:oleObj>
               </mc:Choice>
               <mc:Fallback>
-                <p:oleObj name="Document" r:id="rId4" imgW="7913470" imgH="4750009" progId="Word.Document.12">
+                <p:oleObj name="Document" r:id="rId3" imgW="7913470" imgH="4750009" progId="Word.Document.12">
                   <p:embed/>
                   <p:pic>
                     <p:nvPicPr>
@@ -12580,7 +12855,7 @@
                       <p:nvPr/>
                     </p:nvPicPr>
                     <p:blipFill>
-                      <a:blip r:embed="rId5"/>
+                      <a:blip r:embed="rId4"/>
                       <a:stretch>
                         <a:fillRect/>
                       </a:stretch>
@@ -12614,7 +12889,7 @@
   <p:timing>
     <p:tnLst>
       <p:par>
-        <p:cTn xmlns:p14="http://schemas.microsoft.com/office/powerpoint/2010/main" id="1" dur="indefinite" restart="never" nodeType="tmRoot"/>
+        <p:cTn id="1" dur="indefinite" restart="never" nodeType="tmRoot"/>
       </p:par>
     </p:tnLst>
   </p:timing>
@@ -12825,7 +13100,7 @@
   <p:timing>
     <p:tnLst>
       <p:par>
-        <p:cTn xmlns:p14="http://schemas.microsoft.com/office/powerpoint/2010/main" id="1" dur="indefinite" restart="never" nodeType="tmRoot"/>
+        <p:cTn id="1" dur="indefinite" restart="never" nodeType="tmRoot"/>
       </p:par>
     </p:tnLst>
   </p:timing>
@@ -12990,12 +13265,12 @@
           <a:graphicData uri="http://schemas.openxmlformats.org/presentationml/2006/ole">
             <mc:AlternateContent xmlns:mc="http://schemas.openxmlformats.org/markup-compatibility/2006">
               <mc:Choice xmlns:v="urn:schemas-microsoft-com:vml" Requires="v">
-                <p:oleObj spid="_x0000_s56351" name="Document" r:id="rId4" imgW="7737992" imgH="5271144" progId="Word.Document.12">
+                <p:oleObj spid="_x0000_s56355" name="Document" r:id="rId3" imgW="7737992" imgH="5271144" progId="Word.Document.12">
                   <p:embed/>
                 </p:oleObj>
               </mc:Choice>
               <mc:Fallback>
-                <p:oleObj name="Document" r:id="rId4" imgW="7737992" imgH="5271144" progId="Word.Document.12">
+                <p:oleObj name="Document" r:id="rId3" imgW="7737992" imgH="5271144" progId="Word.Document.12">
                   <p:embed/>
                   <p:pic>
                     <p:nvPicPr>
@@ -13004,7 +13279,7 @@
                       <p:nvPr/>
                     </p:nvPicPr>
                     <p:blipFill>
-                      <a:blip r:embed="rId5"/>
+                      <a:blip r:embed="rId4"/>
                       <a:stretch>
                         <a:fillRect/>
                       </a:stretch>
@@ -13038,7 +13313,7 @@
   <p:timing>
     <p:tnLst>
       <p:par>
-        <p:cTn xmlns:p14="http://schemas.microsoft.com/office/powerpoint/2010/main" id="1" dur="indefinite" restart="never" nodeType="tmRoot"/>
+        <p:cTn id="1" dur="indefinite" restart="never" nodeType="tmRoot"/>
       </p:par>
     </p:tnLst>
   </p:timing>
@@ -13203,12 +13478,12 @@
           <a:graphicData uri="http://schemas.openxmlformats.org/presentationml/2006/ole">
             <mc:AlternateContent xmlns:mc="http://schemas.openxmlformats.org/markup-compatibility/2006">
               <mc:Choice xmlns:v="urn:schemas-microsoft-com:vml" Requires="v">
-                <p:oleObj spid="_x0000_s57375" name="Document" r:id="rId4" imgW="6965814" imgH="3806778" progId="Word.Document.12">
+                <p:oleObj spid="_x0000_s57379" name="Document" r:id="rId3" imgW="6965814" imgH="3806778" progId="Word.Document.12">
                   <p:embed/>
                 </p:oleObj>
               </mc:Choice>
               <mc:Fallback>
-                <p:oleObj name="Document" r:id="rId4" imgW="6965814" imgH="3806778" progId="Word.Document.12">
+                <p:oleObj name="Document" r:id="rId3" imgW="6965814" imgH="3806778" progId="Word.Document.12">
                   <p:embed/>
                   <p:pic>
                     <p:nvPicPr>
@@ -13217,7 +13492,7 @@
                       <p:nvPr/>
                     </p:nvPicPr>
                     <p:blipFill>
-                      <a:blip r:embed="rId5"/>
+                      <a:blip r:embed="rId4"/>
                       <a:stretch>
                         <a:fillRect/>
                       </a:stretch>
@@ -13251,7 +13526,7 @@
   <p:timing>
     <p:tnLst>
       <p:par>
-        <p:cTn xmlns:p14="http://schemas.microsoft.com/office/powerpoint/2010/main" id="1" dur="indefinite" restart="never" nodeType="tmRoot"/>
+        <p:cTn id="1" dur="indefinite" restart="never" nodeType="tmRoot"/>
       </p:par>
     </p:tnLst>
   </p:timing>
@@ -13381,25 +13656,25 @@
           <p:nvPr>
             <p:extLst>
               <p:ext uri="{D42A27DB-BD31-4B8C-83A1-F6EECF244321}">
-                <p14:modId xmlns:p14="http://schemas.microsoft.com/office/powerpoint/2010/main" val="2745416030"/>
+                <p14:modId xmlns:p14="http://schemas.microsoft.com/office/powerpoint/2010/main" val="1185742721"/>
               </p:ext>
             </p:extLst>
           </p:nvPr>
         </p:nvGraphicFramePr>
         <p:xfrm>
-          <a:off x="917575" y="752475"/>
-          <a:ext cx="6959600" cy="3517900"/>
+          <a:off x="917574" y="752475"/>
+          <a:ext cx="7769225" cy="4365790"/>
         </p:xfrm>
         <a:graphic>
           <a:graphicData uri="http://schemas.openxmlformats.org/presentationml/2006/ole">
             <mc:AlternateContent xmlns:mc="http://schemas.openxmlformats.org/markup-compatibility/2006">
               <mc:Choice xmlns:v="urn:schemas-microsoft-com:vml" Requires="v">
-                <p:oleObj spid="_x0000_s39967" name="Document" r:id="rId4" imgW="6959600" imgH="3517900" progId="Word.Document.12">
+                <p:oleObj spid="_x0000_s39971" name="Document" r:id="rId3" imgW="6959600" imgH="3517900" progId="Word.Document.12">
                   <p:embed/>
                 </p:oleObj>
               </mc:Choice>
               <mc:Fallback>
-                <p:oleObj name="Document" r:id="rId4" imgW="6959600" imgH="3517900" progId="Word.Document.12">
+                <p:oleObj name="Document" r:id="rId3" imgW="6959600" imgH="3517900" progId="Word.Document.12">
                   <p:embed/>
                   <p:pic>
                     <p:nvPicPr>
@@ -13408,15 +13683,15 @@
                       <p:nvPr/>
                     </p:nvPicPr>
                     <p:blipFill>
-                      <a:blip r:embed="rId5"/>
+                      <a:blip r:embed="rId4"/>
                       <a:stretch>
                         <a:fillRect/>
                       </a:stretch>
                     </p:blipFill>
                     <p:spPr>
                       <a:xfrm>
-                        <a:off x="917575" y="752475"/>
-                        <a:ext cx="6959600" cy="3517900"/>
+                        <a:off x="917574" y="752475"/>
+                        <a:ext cx="7769225" cy="4365790"/>
                       </a:xfrm>
                       <a:prstGeom prst="rect">
                         <a:avLst/>
@@ -13442,7 +13717,7 @@
   <p:timing>
     <p:tnLst>
       <p:par>
-        <p:cTn xmlns:p14="http://schemas.microsoft.com/office/powerpoint/2010/main" id="1" dur="indefinite" restart="never" nodeType="tmRoot"/>
+        <p:cTn id="1" dur="indefinite" restart="never" nodeType="tmRoot"/>
       </p:par>
     </p:tnLst>
   </p:timing>
@@ -13703,7 +13978,7 @@
   <p:timing>
     <p:tnLst>
       <p:par>
-        <p:cTn xmlns:p14="http://schemas.microsoft.com/office/powerpoint/2010/main" id="1" dur="indefinite" restart="never" nodeType="tmRoot"/>
+        <p:cTn id="1" dur="indefinite" restart="never" nodeType="tmRoot"/>
       </p:par>
     </p:tnLst>
   </p:timing>
@@ -13868,12 +14143,12 @@
           <a:graphicData uri="http://schemas.openxmlformats.org/presentationml/2006/ole">
             <mc:AlternateContent xmlns:mc="http://schemas.openxmlformats.org/markup-compatibility/2006">
               <mc:Choice xmlns:v="urn:schemas-microsoft-com:vml" Requires="v">
-                <p:oleObj spid="_x0000_s1055" name="Document" r:id="rId4" imgW="7646469" imgH="5650742" progId="Word.Document.12">
+                <p:oleObj spid="_x0000_s1059" name="Document" r:id="rId3" imgW="7646469" imgH="5650742" progId="Word.Document.12">
                   <p:embed/>
                 </p:oleObj>
               </mc:Choice>
               <mc:Fallback>
-                <p:oleObj name="Document" r:id="rId4" imgW="7646469" imgH="5650742" progId="Word.Document.12">
+                <p:oleObj name="Document" r:id="rId3" imgW="7646469" imgH="5650742" progId="Word.Document.12">
                   <p:embed/>
                   <p:pic>
                     <p:nvPicPr>
@@ -13882,7 +14157,7 @@
                       <p:nvPr/>
                     </p:nvPicPr>
                     <p:blipFill>
-                      <a:blip r:embed="rId5"/>
+                      <a:blip r:embed="rId4"/>
                       <a:stretch>
                         <a:fillRect/>
                       </a:stretch>
@@ -13916,7 +14191,7 @@
   <p:timing>
     <p:tnLst>
       <p:par>
-        <p:cTn xmlns:p14="http://schemas.microsoft.com/office/powerpoint/2010/main" id="1" dur="indefinite" restart="never" nodeType="tmRoot"/>
+        <p:cTn id="1" dur="indefinite" restart="never" nodeType="tmRoot"/>
       </p:par>
     </p:tnLst>
   </p:timing>
@@ -14081,12 +14356,12 @@
           <a:graphicData uri="http://schemas.openxmlformats.org/presentationml/2006/ole">
             <mc:AlternateContent xmlns:mc="http://schemas.openxmlformats.org/markup-compatibility/2006">
               <mc:Choice xmlns:v="urn:schemas-microsoft-com:vml" Requires="v">
-                <p:oleObj spid="_x0000_s58399" name="Document" r:id="rId4" imgW="6965814" imgH="3427180" progId="Word.Document.12">
+                <p:oleObj spid="_x0000_s58403" name="Document" r:id="rId3" imgW="6965814" imgH="3427180" progId="Word.Document.12">
                   <p:embed/>
                 </p:oleObj>
               </mc:Choice>
               <mc:Fallback>
-                <p:oleObj name="Document" r:id="rId4" imgW="6965814" imgH="3427180" progId="Word.Document.12">
+                <p:oleObj name="Document" r:id="rId3" imgW="6965814" imgH="3427180" progId="Word.Document.12">
                   <p:embed/>
                   <p:pic>
                     <p:nvPicPr>
@@ -14095,7 +14370,7 @@
                       <p:nvPr/>
                     </p:nvPicPr>
                     <p:blipFill>
-                      <a:blip r:embed="rId5"/>
+                      <a:blip r:embed="rId4"/>
                       <a:stretch>
                         <a:fillRect/>
                       </a:stretch>
@@ -14129,7 +14404,7 @@
   <p:timing>
     <p:tnLst>
       <p:par>
-        <p:cTn xmlns:p14="http://schemas.microsoft.com/office/powerpoint/2010/main" id="1" dur="indefinite" restart="never" nodeType="tmRoot"/>
+        <p:cTn id="1" dur="indefinite" restart="never" nodeType="tmRoot"/>
       </p:par>
     </p:tnLst>
   </p:timing>
@@ -14390,7 +14665,7 @@
   <p:timing>
     <p:tnLst>
       <p:par>
-        <p:cTn xmlns:p14="http://schemas.microsoft.com/office/powerpoint/2010/main" id="1" dur="indefinite" restart="never" nodeType="tmRoot"/>
+        <p:cTn id="1" dur="indefinite" restart="never" nodeType="tmRoot"/>
       </p:par>
     </p:tnLst>
   </p:timing>
@@ -14555,12 +14830,12 @@
           <a:graphicData uri="http://schemas.openxmlformats.org/presentationml/2006/ole">
             <mc:AlternateContent xmlns:mc="http://schemas.openxmlformats.org/markup-compatibility/2006">
               <mc:Choice xmlns:v="urn:schemas-microsoft-com:vml" Requires="v">
-                <p:oleObj spid="_x0000_s59423" name="Document" r:id="rId4" imgW="7476756" imgH="5399718" progId="Word.Document.12">
+                <p:oleObj spid="_x0000_s59427" name="Document" r:id="rId3" imgW="7476756" imgH="5399718" progId="Word.Document.12">
                   <p:embed/>
                 </p:oleObj>
               </mc:Choice>
               <mc:Fallback>
-                <p:oleObj name="Document" r:id="rId4" imgW="7476756" imgH="5399718" progId="Word.Document.12">
+                <p:oleObj name="Document" r:id="rId3" imgW="7476756" imgH="5399718" progId="Word.Document.12">
                   <p:embed/>
                   <p:pic>
                     <p:nvPicPr>
@@ -14569,7 +14844,7 @@
                       <p:nvPr/>
                     </p:nvPicPr>
                     <p:blipFill>
-                      <a:blip r:embed="rId5"/>
+                      <a:blip r:embed="rId4"/>
                       <a:stretch>
                         <a:fillRect/>
                       </a:stretch>
@@ -14603,7 +14878,7 @@
   <p:timing>
     <p:tnLst>
       <p:par>
-        <p:cTn xmlns:p14="http://schemas.microsoft.com/office/powerpoint/2010/main" id="1" dur="indefinite" restart="never" nodeType="tmRoot"/>
+        <p:cTn id="1" dur="indefinite" restart="never" nodeType="tmRoot"/>
       </p:par>
     </p:tnLst>
   </p:timing>
@@ -14768,12 +15043,12 @@
           <a:graphicData uri="http://schemas.openxmlformats.org/presentationml/2006/ole">
             <mc:AlternateContent xmlns:mc="http://schemas.openxmlformats.org/markup-compatibility/2006">
               <mc:Choice xmlns:v="urn:schemas-microsoft-com:vml" Requires="v">
-                <p:oleObj spid="_x0000_s60447" name="Document" r:id="rId4" imgW="6965729" imgH="2939421" progId="Word.Document.12">
+                <p:oleObj spid="_x0000_s60451" name="Document" r:id="rId3" imgW="6965729" imgH="2939421" progId="Word.Document.12">
                   <p:embed/>
                 </p:oleObj>
               </mc:Choice>
               <mc:Fallback>
-                <p:oleObj name="Document" r:id="rId4" imgW="6965729" imgH="2939421" progId="Word.Document.12">
+                <p:oleObj name="Document" r:id="rId3" imgW="6965729" imgH="2939421" progId="Word.Document.12">
                   <p:embed/>
                   <p:pic>
                     <p:nvPicPr>
@@ -14782,7 +15057,7 @@
                       <p:nvPr/>
                     </p:nvPicPr>
                     <p:blipFill>
-                      <a:blip r:embed="rId5"/>
+                      <a:blip r:embed="rId4"/>
                       <a:stretch>
                         <a:fillRect/>
                       </a:stretch>
@@ -14816,7 +15091,7 @@
   <p:timing>
     <p:tnLst>
       <p:par>
-        <p:cTn xmlns:p14="http://schemas.microsoft.com/office/powerpoint/2010/main" id="1" dur="indefinite" restart="never" nodeType="tmRoot"/>
+        <p:cTn id="1" dur="indefinite" restart="never" nodeType="tmRoot"/>
       </p:par>
     </p:tnLst>
   </p:timing>
@@ -14981,12 +15256,12 @@
           <a:graphicData uri="http://schemas.openxmlformats.org/presentationml/2006/ole">
             <mc:AlternateContent xmlns:mc="http://schemas.openxmlformats.org/markup-compatibility/2006">
               <mc:Choice xmlns:v="urn:schemas-microsoft-com:vml" Requires="v">
-                <p:oleObj spid="_x0000_s61471" name="Document" r:id="rId4" imgW="6965729" imgH="4428611" progId="Word.Document.12">
+                <p:oleObj spid="_x0000_s61475" name="Document" r:id="rId3" imgW="6965729" imgH="4428611" progId="Word.Document.12">
                   <p:embed/>
                 </p:oleObj>
               </mc:Choice>
               <mc:Fallback>
-                <p:oleObj name="Document" r:id="rId4" imgW="6965729" imgH="4428611" progId="Word.Document.12">
+                <p:oleObj name="Document" r:id="rId3" imgW="6965729" imgH="4428611" progId="Word.Document.12">
                   <p:embed/>
                   <p:pic>
                     <p:nvPicPr>
@@ -14995,7 +15270,7 @@
                       <p:nvPr/>
                     </p:nvPicPr>
                     <p:blipFill>
-                      <a:blip r:embed="rId5"/>
+                      <a:blip r:embed="rId4"/>
                       <a:stretch>
                         <a:fillRect/>
                       </a:stretch>
@@ -15029,7 +15304,7 @@
   <p:timing>
     <p:tnLst>
       <p:par>
-        <p:cTn xmlns:p14="http://schemas.microsoft.com/office/powerpoint/2010/main" id="1" dur="indefinite" restart="never" nodeType="tmRoot"/>
+        <p:cTn id="1" dur="indefinite" restart="never" nodeType="tmRoot"/>
       </p:par>
     </p:tnLst>
   </p:timing>
@@ -15194,12 +15469,12 @@
           <a:graphicData uri="http://schemas.openxmlformats.org/presentationml/2006/ole">
             <mc:AlternateContent xmlns:mc="http://schemas.openxmlformats.org/markup-compatibility/2006">
               <mc:Choice xmlns:v="urn:schemas-microsoft-com:vml" Requires="v">
-                <p:oleObj spid="_x0000_s62495" name="Document" r:id="rId4" imgW="6965814" imgH="5355419" progId="Word.Document.12">
+                <p:oleObj spid="_x0000_s62499" name="Document" r:id="rId3" imgW="6965814" imgH="5355419" progId="Word.Document.12">
                   <p:embed/>
                 </p:oleObj>
               </mc:Choice>
               <mc:Fallback>
-                <p:oleObj name="Document" r:id="rId4" imgW="6965814" imgH="5355419" progId="Word.Document.12">
+                <p:oleObj name="Document" r:id="rId3" imgW="6965814" imgH="5355419" progId="Word.Document.12">
                   <p:embed/>
                   <p:pic>
                     <p:nvPicPr>
@@ -15208,7 +15483,7 @@
                       <p:nvPr/>
                     </p:nvPicPr>
                     <p:blipFill>
-                      <a:blip r:embed="rId5"/>
+                      <a:blip r:embed="rId4"/>
                       <a:stretch>
                         <a:fillRect/>
                       </a:stretch>
@@ -15242,7 +15517,7 @@
   <p:timing>
     <p:tnLst>
       <p:par>
-        <p:cTn xmlns:p14="http://schemas.microsoft.com/office/powerpoint/2010/main" id="1" dur="indefinite" restart="never" nodeType="tmRoot"/>
+        <p:cTn id="1" dur="indefinite" restart="never" nodeType="tmRoot"/>
       </p:par>
     </p:tnLst>
   </p:timing>
@@ -15407,12 +15682,12 @@
           <a:graphicData uri="http://schemas.openxmlformats.org/presentationml/2006/ole">
             <mc:AlternateContent xmlns:mc="http://schemas.openxmlformats.org/markup-compatibility/2006">
               <mc:Choice xmlns:v="urn:schemas-microsoft-com:vml" Requires="v">
-                <p:oleObj spid="_x0000_s63519" name="Document" r:id="rId4" imgW="6965814" imgH="5399718" progId="Word.Document.12">
+                <p:oleObj spid="_x0000_s63523" name="Document" r:id="rId3" imgW="6965814" imgH="5399718" progId="Word.Document.12">
                   <p:embed/>
                 </p:oleObj>
               </mc:Choice>
               <mc:Fallback>
-                <p:oleObj name="Document" r:id="rId4" imgW="6965814" imgH="5399718" progId="Word.Document.12">
+                <p:oleObj name="Document" r:id="rId3" imgW="6965814" imgH="5399718" progId="Word.Document.12">
                   <p:embed/>
                   <p:pic>
                     <p:nvPicPr>
@@ -15421,7 +15696,7 @@
                       <p:nvPr/>
                     </p:nvPicPr>
                     <p:blipFill>
-                      <a:blip r:embed="rId5"/>
+                      <a:blip r:embed="rId4"/>
                       <a:stretch>
                         <a:fillRect/>
                       </a:stretch>
@@ -15455,7 +15730,7 @@
   <p:timing>
     <p:tnLst>
       <p:par>
-        <p:cTn xmlns:p14="http://schemas.microsoft.com/office/powerpoint/2010/main" id="1" dur="indefinite" restart="never" nodeType="tmRoot"/>
+        <p:cTn id="1" dur="indefinite" restart="never" nodeType="tmRoot"/>
       </p:par>
     </p:tnLst>
   </p:timing>
@@ -15620,12 +15895,12 @@
           <a:graphicData uri="http://schemas.openxmlformats.org/presentationml/2006/ole">
             <mc:AlternateContent xmlns:mc="http://schemas.openxmlformats.org/markup-compatibility/2006">
               <mc:Choice xmlns:v="urn:schemas-microsoft-com:vml" Requires="v">
-                <p:oleObj spid="_x0000_s64543" name="Document" r:id="rId4" imgW="7296233" imgH="4949171" progId="Word.Document.12">
+                <p:oleObj spid="_x0000_s64547" name="Document" r:id="rId3" imgW="7296233" imgH="4949171" progId="Word.Document.12">
                   <p:embed/>
                 </p:oleObj>
               </mc:Choice>
               <mc:Fallback>
-                <p:oleObj name="Document" r:id="rId4" imgW="7296233" imgH="4949171" progId="Word.Document.12">
+                <p:oleObj name="Document" r:id="rId3" imgW="7296233" imgH="4949171" progId="Word.Document.12">
                   <p:embed/>
                   <p:pic>
                     <p:nvPicPr>
@@ -15634,7 +15909,7 @@
                       <p:nvPr/>
                     </p:nvPicPr>
                     <p:blipFill>
-                      <a:blip r:embed="rId5"/>
+                      <a:blip r:embed="rId4"/>
                       <a:stretch>
                         <a:fillRect/>
                       </a:stretch>
@@ -15668,7 +15943,7 @@
   <p:timing>
     <p:tnLst>
       <p:par>
-        <p:cTn xmlns:p14="http://schemas.microsoft.com/office/powerpoint/2010/main" id="1" dur="indefinite" restart="never" nodeType="tmRoot"/>
+        <p:cTn id="1" dur="indefinite" restart="never" nodeType="tmRoot"/>
       </p:par>
     </p:tnLst>
   </p:timing>
@@ -15894,7 +16169,7 @@
   <p:timing>
     <p:tnLst>
       <p:par>
-        <p:cTn xmlns:p14="http://schemas.microsoft.com/office/powerpoint/2010/main" id="1" dur="indefinite" restart="never" nodeType="tmRoot"/>
+        <p:cTn id="1" dur="indefinite" restart="never" nodeType="tmRoot"/>
       </p:par>
     </p:tnLst>
   </p:timing>
@@ -16059,12 +16334,12 @@
           <a:graphicData uri="http://schemas.openxmlformats.org/presentationml/2006/ole">
             <mc:AlternateContent xmlns:mc="http://schemas.openxmlformats.org/markup-compatibility/2006">
               <mc:Choice xmlns:v="urn:schemas-microsoft-com:vml" Requires="v">
-                <p:oleObj spid="_x0000_s65567" name="Document" r:id="rId4" imgW="6965814" imgH="3816502" progId="Word.Document.12">
+                <p:oleObj spid="_x0000_s65571" name="Document" r:id="rId3" imgW="6965814" imgH="3816502" progId="Word.Document.12">
                   <p:embed/>
                 </p:oleObj>
               </mc:Choice>
               <mc:Fallback>
-                <p:oleObj name="Document" r:id="rId4" imgW="6965814" imgH="3816502" progId="Word.Document.12">
+                <p:oleObj name="Document" r:id="rId3" imgW="6965814" imgH="3816502" progId="Word.Document.12">
                   <p:embed/>
                   <p:pic>
                     <p:nvPicPr>
@@ -16073,7 +16348,7 @@
                       <p:nvPr/>
                     </p:nvPicPr>
                     <p:blipFill>
-                      <a:blip r:embed="rId5"/>
+                      <a:blip r:embed="rId4"/>
                       <a:stretch>
                         <a:fillRect/>
                       </a:stretch>
@@ -16107,7 +16382,7 @@
   <p:timing>
     <p:tnLst>
       <p:par>
-        <p:cTn xmlns:p14="http://schemas.microsoft.com/office/powerpoint/2010/main" id="1" dur="indefinite" restart="never" nodeType="tmRoot"/>
+        <p:cTn id="1" dur="indefinite" restart="never" nodeType="tmRoot"/>
       </p:par>
     </p:tnLst>
   </p:timing>
@@ -16272,12 +16547,12 @@
           <a:graphicData uri="http://schemas.openxmlformats.org/presentationml/2006/ole">
             <mc:AlternateContent xmlns:mc="http://schemas.openxmlformats.org/markup-compatibility/2006">
               <mc:Choice xmlns:v="urn:schemas-microsoft-com:vml" Requires="v">
-                <p:oleObj spid="_x0000_s66591" name="Document" r:id="rId4" imgW="6864202" imgH="4715074" progId="Word.Document.12">
+                <p:oleObj spid="_x0000_s66595" name="Document" r:id="rId3" imgW="6864202" imgH="4715074" progId="Word.Document.12">
                   <p:embed/>
                 </p:oleObj>
               </mc:Choice>
               <mc:Fallback>
-                <p:oleObj name="Document" r:id="rId4" imgW="6864202" imgH="4715074" progId="Word.Document.12">
+                <p:oleObj name="Document" r:id="rId3" imgW="6864202" imgH="4715074" progId="Word.Document.12">
                   <p:embed/>
                   <p:pic>
                     <p:nvPicPr>
@@ -16286,7 +16561,7 @@
                       <p:nvPr/>
                     </p:nvPicPr>
                     <p:blipFill>
-                      <a:blip r:embed="rId5"/>
+                      <a:blip r:embed="rId4"/>
                       <a:stretch>
                         <a:fillRect/>
                       </a:stretch>
@@ -16320,7 +16595,7 @@
   <p:timing>
     <p:tnLst>
       <p:par>
-        <p:cTn xmlns:p14="http://schemas.microsoft.com/office/powerpoint/2010/main" id="1" dur="indefinite" restart="never" nodeType="tmRoot"/>
+        <p:cTn id="1" dur="indefinite" restart="never" nodeType="tmRoot"/>
       </p:par>
     </p:tnLst>
   </p:timing>
@@ -16485,12 +16760,12 @@
           <a:graphicData uri="http://schemas.openxmlformats.org/presentationml/2006/ole">
             <mc:AlternateContent xmlns:mc="http://schemas.openxmlformats.org/markup-compatibility/2006">
               <mc:Choice xmlns:v="urn:schemas-microsoft-com:vml" Requires="v">
-                <p:oleObj spid="_x0000_s67615" name="Document" r:id="rId4" imgW="7525039" imgH="4164046" progId="Word.Document.12">
+                <p:oleObj spid="_x0000_s67619" name="Document" r:id="rId3" imgW="7525039" imgH="4164046" progId="Word.Document.12">
                   <p:embed/>
                 </p:oleObj>
               </mc:Choice>
               <mc:Fallback>
-                <p:oleObj name="Document" r:id="rId4" imgW="7525039" imgH="4164046" progId="Word.Document.12">
+                <p:oleObj name="Document" r:id="rId3" imgW="7525039" imgH="4164046" progId="Word.Document.12">
                   <p:embed/>
                   <p:pic>
                     <p:nvPicPr>
@@ -16499,7 +16774,7 @@
                       <p:nvPr/>
                     </p:nvPicPr>
                     <p:blipFill>
-                      <a:blip r:embed="rId5"/>
+                      <a:blip r:embed="rId4"/>
                       <a:stretch>
                         <a:fillRect/>
                       </a:stretch>
@@ -16533,7 +16808,7 @@
   <p:timing>
     <p:tnLst>
       <p:par>
-        <p:cTn xmlns:p14="http://schemas.microsoft.com/office/powerpoint/2010/main" id="1" dur="indefinite" restart="never" nodeType="tmRoot"/>
+        <p:cTn id="1" dur="indefinite" restart="never" nodeType="tmRoot"/>
       </p:par>
     </p:tnLst>
   </p:timing>
@@ -16698,12 +16973,12 @@
           <a:graphicData uri="http://schemas.openxmlformats.org/presentationml/2006/ole">
             <mc:AlternateContent xmlns:mc="http://schemas.openxmlformats.org/markup-compatibility/2006">
               <mc:Choice xmlns:v="urn:schemas-microsoft-com:vml" Requires="v">
-                <p:oleObj spid="_x0000_s68639" name="Document" r:id="rId4" imgW="6864119" imgH="1678226" progId="Word.Document.12">
+                <p:oleObj spid="_x0000_s68643" name="Document" r:id="rId3" imgW="6864119" imgH="1678226" progId="Word.Document.12">
                   <p:embed/>
                 </p:oleObj>
               </mc:Choice>
               <mc:Fallback>
-                <p:oleObj name="Document" r:id="rId4" imgW="6864119" imgH="1678226" progId="Word.Document.12">
+                <p:oleObj name="Document" r:id="rId3" imgW="6864119" imgH="1678226" progId="Word.Document.12">
                   <p:embed/>
                   <p:pic>
                     <p:nvPicPr>
@@ -16712,7 +16987,7 @@
                       <p:nvPr/>
                     </p:nvPicPr>
                     <p:blipFill>
-                      <a:blip r:embed="rId5"/>
+                      <a:blip r:embed="rId4"/>
                       <a:stretch>
                         <a:fillRect/>
                       </a:stretch>
@@ -16746,7 +17021,7 @@
   <p:timing>
     <p:tnLst>
       <p:par>
-        <p:cTn xmlns:p14="http://schemas.microsoft.com/office/powerpoint/2010/main" id="1" dur="indefinite" restart="never" nodeType="tmRoot"/>
+        <p:cTn id="1" dur="indefinite" restart="never" nodeType="tmRoot"/>
       </p:par>
     </p:tnLst>
   </p:timing>
@@ -16873,7 +17148,7 @@
   <p:timing>
     <p:tnLst>
       <p:par>
-        <p:cTn xmlns:p14="http://schemas.microsoft.com/office/powerpoint/2010/main" id="1" dur="indefinite" restart="never" nodeType="tmRoot"/>
+        <p:cTn id="1" dur="indefinite" restart="never" nodeType="tmRoot"/>
       </p:par>
     </p:tnLst>
   </p:timing>
@@ -17016,12 +17291,12 @@
           <a:graphicData uri="http://schemas.openxmlformats.org/presentationml/2006/ole">
             <mc:AlternateContent xmlns:mc="http://schemas.openxmlformats.org/markup-compatibility/2006">
               <mc:Choice xmlns:v="urn:schemas-microsoft-com:vml" Requires="v">
-                <p:oleObj spid="_x0000_s69663" name="Document" r:id="rId4" imgW="6965814" imgH="520776" progId="Word.Document.12">
+                <p:oleObj spid="_x0000_s69667" name="Document" r:id="rId3" imgW="6965814" imgH="520776" progId="Word.Document.12">
                   <p:embed/>
                 </p:oleObj>
               </mc:Choice>
               <mc:Fallback>
-                <p:oleObj name="Document" r:id="rId4" imgW="6965814" imgH="520776" progId="Word.Document.12">
+                <p:oleObj name="Document" r:id="rId3" imgW="6965814" imgH="520776" progId="Word.Document.12">
                   <p:embed/>
                   <p:pic>
                     <p:nvPicPr>
@@ -17030,7 +17305,7 @@
                       <p:nvPr/>
                     </p:nvPicPr>
                     <p:blipFill>
-                      <a:blip r:embed="rId5"/>
+                      <a:blip r:embed="rId4"/>
                       <a:stretch>
                         <a:fillRect/>
                       </a:stretch>
@@ -17060,7 +17335,7 @@
           <p:nvPr/>
         </p:nvPicPr>
         <p:blipFill>
-          <a:blip r:embed="rId6">
+          <a:blip r:embed="rId5">
             <a:extLst>
               <a:ext uri="{28A0092B-C50C-407E-A947-70E740481C1C}">
                 <a14:useLocalDpi xmlns:a14="http://schemas.microsoft.com/office/drawing/2010/main" val="0"/>
@@ -17087,14 +17362,14 @@
           <a:effectLst/>
           <a:extLst>
             <a:ext uri="{909E8E84-426E-40dd-AFC4-6F175D3DCCD1}">
-              <a14:hiddenFill xmlns:a14="http://schemas.microsoft.com/office/drawing/2010/main">
+              <a14:hiddenFill xmlns:a14="http://schemas.microsoft.com/office/drawing/2010/main" xmlns="">
                 <a:solidFill>
                   <a:schemeClr val="accent1"/>
                 </a:solidFill>
               </a14:hiddenFill>
             </a:ext>
             <a:ext uri="{91240B29-F687-4f45-9708-019B960494DF}">
-              <a14:hiddenLine xmlns:a14="http://schemas.microsoft.com/office/drawing/2010/main" w="9525">
+              <a14:hiddenLine xmlns:a14="http://schemas.microsoft.com/office/drawing/2010/main" xmlns="" w="9525">
                 <a:solidFill>
                   <a:schemeClr val="tx1"/>
                 </a:solidFill>
@@ -17104,7 +17379,7 @@
               </a14:hiddenLine>
             </a:ext>
             <a:ext uri="{AF507438-7753-43e0-B8FC-AC1667EBCBE1}">
-              <a14:hiddenEffects xmlns:a14="http://schemas.microsoft.com/office/drawing/2010/main">
+              <a14:hiddenEffects xmlns:a14="http://schemas.microsoft.com/office/drawing/2010/main" xmlns="">
                 <a:effectLst>
                   <a:outerShdw dist="35921" dir="2700000" algn="ctr" rotWithShape="0">
                     <a:schemeClr val="bg2"/>
@@ -17128,7 +17403,7 @@
   <p:timing>
     <p:tnLst>
       <p:par>
-        <p:cTn xmlns:p14="http://schemas.microsoft.com/office/powerpoint/2010/main" id="1" dur="indefinite" restart="never" nodeType="tmRoot"/>
+        <p:cTn id="1" dur="indefinite" restart="never" nodeType="tmRoot"/>
       </p:par>
     </p:tnLst>
   </p:timing>
@@ -17271,12 +17546,12 @@
           <a:graphicData uri="http://schemas.openxmlformats.org/presentationml/2006/ole">
             <mc:AlternateContent xmlns:mc="http://schemas.openxmlformats.org/markup-compatibility/2006">
               <mc:Choice xmlns:v="urn:schemas-microsoft-com:vml" Requires="v">
-                <p:oleObj spid="_x0000_s70687" name="Document" r:id="rId4" imgW="6965814" imgH="5509203" progId="Word.Document.12">
+                <p:oleObj spid="_x0000_s70691" name="Document" r:id="rId3" imgW="6965814" imgH="5509203" progId="Word.Document.12">
                   <p:embed/>
                 </p:oleObj>
               </mc:Choice>
               <mc:Fallback>
-                <p:oleObj name="Document" r:id="rId4" imgW="6965814" imgH="5509203" progId="Word.Document.12">
+                <p:oleObj name="Document" r:id="rId3" imgW="6965814" imgH="5509203" progId="Word.Document.12">
                   <p:embed/>
                   <p:pic>
                     <p:nvPicPr>
@@ -17285,7 +17560,7 @@
                       <p:nvPr/>
                     </p:nvPicPr>
                     <p:blipFill>
-                      <a:blip r:embed="rId5"/>
+                      <a:blip r:embed="rId4"/>
                       <a:stretch>
                         <a:fillRect/>
                       </a:stretch>
@@ -17319,7 +17594,7 @@
   <p:timing>
     <p:tnLst>
       <p:par>
-        <p:cTn xmlns:p14="http://schemas.microsoft.com/office/powerpoint/2010/main" id="1" dur="indefinite" restart="never" nodeType="tmRoot"/>
+        <p:cTn id="1" dur="indefinite" restart="never" nodeType="tmRoot"/>
       </p:par>
     </p:tnLst>
   </p:timing>
@@ -17462,12 +17737,12 @@
           <a:graphicData uri="http://schemas.openxmlformats.org/presentationml/2006/ole">
             <mc:AlternateContent xmlns:mc="http://schemas.openxmlformats.org/markup-compatibility/2006">
               <mc:Choice xmlns:v="urn:schemas-microsoft-com:vml" Requires="v">
-                <p:oleObj spid="_x0000_s71741" name="Document" r:id="rId4" imgW="6965814" imgH="427137" progId="Word.Document.12">
+                <p:oleObj spid="_x0000_s71748" name="Document" r:id="rId3" imgW="6965814" imgH="427137" progId="Word.Document.12">
                   <p:embed/>
                 </p:oleObj>
               </mc:Choice>
               <mc:Fallback>
-                <p:oleObj name="Document" r:id="rId4" imgW="6965814" imgH="427137" progId="Word.Document.12">
+                <p:oleObj name="Document" r:id="rId3" imgW="6965814" imgH="427137" progId="Word.Document.12">
                   <p:embed/>
                   <p:pic>
                     <p:nvPicPr>
@@ -17476,7 +17751,7 @@
                       <p:nvPr/>
                     </p:nvPicPr>
                     <p:blipFill>
-                      <a:blip r:embed="rId5"/>
+                      <a:blip r:embed="rId4"/>
                       <a:stretch>
                         <a:fillRect/>
                       </a:stretch>
@@ -17519,12 +17794,12 @@
           <a:graphicData uri="http://schemas.openxmlformats.org/presentationml/2006/ole">
             <mc:AlternateContent xmlns:mc="http://schemas.openxmlformats.org/markup-compatibility/2006">
               <mc:Choice xmlns:v="urn:schemas-microsoft-com:vml" Requires="v">
-                <p:oleObj spid="_x0000_s71742" name="Document" r:id="rId7" imgW="6858000" imgH="622300" progId="Word.Document.12">
+                <p:oleObj spid="_x0000_s71749" name="Document" r:id="rId5" imgW="6858000" imgH="622300" progId="Word.Document.12">
                   <p:embed/>
                 </p:oleObj>
               </mc:Choice>
               <mc:Fallback>
-                <p:oleObj name="Document" r:id="rId7" imgW="6858000" imgH="622300" progId="Word.Document.12">
+                <p:oleObj name="Document" r:id="rId5" imgW="6858000" imgH="622300" progId="Word.Document.12">
                   <p:embed/>
                   <p:pic>
                     <p:nvPicPr>
@@ -17533,7 +17808,7 @@
                       <p:nvPr/>
                     </p:nvPicPr>
                     <p:blipFill>
-                      <a:blip r:embed="rId8"/>
+                      <a:blip r:embed="rId6"/>
                       <a:stretch>
                         <a:fillRect/>
                       </a:stretch>
@@ -17563,7 +17838,7 @@
           <p:nvPr/>
         </p:nvPicPr>
         <p:blipFill>
-          <a:blip r:embed="rId9">
+          <a:blip r:embed="rId7">
             <a:extLst>
               <a:ext uri="{28A0092B-C50C-407E-A947-70E740481C1C}">
                 <a14:useLocalDpi xmlns:a14="http://schemas.microsoft.com/office/drawing/2010/main" val="0"/>
@@ -17590,14 +17865,14 @@
           <a:effectLst/>
           <a:extLst>
             <a:ext uri="{909E8E84-426E-40dd-AFC4-6F175D3DCCD1}">
-              <a14:hiddenFill xmlns:a14="http://schemas.microsoft.com/office/drawing/2010/main">
+              <a14:hiddenFill xmlns:a14="http://schemas.microsoft.com/office/drawing/2010/main" xmlns="">
                 <a:solidFill>
                   <a:schemeClr val="accent1"/>
                 </a:solidFill>
               </a14:hiddenFill>
             </a:ext>
             <a:ext uri="{91240B29-F687-4f45-9708-019B960494DF}">
-              <a14:hiddenLine xmlns:a14="http://schemas.microsoft.com/office/drawing/2010/main" w="9525">
+              <a14:hiddenLine xmlns:a14="http://schemas.microsoft.com/office/drawing/2010/main" xmlns="" w="9525">
                 <a:solidFill>
                   <a:schemeClr val="tx1"/>
                 </a:solidFill>
@@ -17607,7 +17882,7 @@
               </a14:hiddenLine>
             </a:ext>
             <a:ext uri="{AF507438-7753-43e0-B8FC-AC1667EBCBE1}">
-              <a14:hiddenEffects xmlns:a14="http://schemas.microsoft.com/office/drawing/2010/main">
+              <a14:hiddenEffects xmlns:a14="http://schemas.microsoft.com/office/drawing/2010/main" xmlns="">
                 <a:effectLst>
                   <a:outerShdw dist="35921" dir="2700000" algn="ctr" rotWithShape="0">
                     <a:schemeClr val="bg2"/>
@@ -17645,7 +17920,7 @@
           <a:p>
             <a:r>
               <a:rPr lang="en-US" sz="2000" dirty="0">
-                <a:hlinkClick r:id="rId10"/>
+                <a:hlinkClick r:id="rId8"/>
               </a:rPr>
               <a:t>sqlitebrowser.org</a:t>
             </a:r>
@@ -17666,7 +17941,7 @@
   <p:timing>
     <p:tnLst>
       <p:par>
-        <p:cTn xmlns:p14="http://schemas.microsoft.com/office/powerpoint/2010/main" id="1" dur="indefinite" restart="never" nodeType="tmRoot"/>
+        <p:cTn id="1" dur="indefinite" restart="never" nodeType="tmRoot"/>
       </p:par>
     </p:tnLst>
   </p:timing>
@@ -17780,7 +18055,7 @@
   <p:timing>
     <p:tnLst>
       <p:par>
-        <p:cTn xmlns:p14="http://schemas.microsoft.com/office/powerpoint/2010/main" id="1" dur="indefinite" restart="never" nodeType="tmRoot"/>
+        <p:cTn id="1" dur="indefinite" restart="never" nodeType="tmRoot"/>
       </p:par>
     </p:tnLst>
   </p:timing>
@@ -17993,7 +18268,7 @@
   <p:timing>
     <p:tnLst>
       <p:par>
-        <p:cTn xmlns:p14="http://schemas.microsoft.com/office/powerpoint/2010/main" id="1" dur="indefinite" restart="never" nodeType="tmRoot"/>
+        <p:cTn id="1" dur="indefinite" restart="never" nodeType="tmRoot"/>
       </p:par>
     </p:tnLst>
   </p:timing>
@@ -18249,7 +18524,7 @@
         <p:spPr/>
         <p:txBody>
           <a:bodyPr>
-            <a:normAutofit fontScale="85000" lnSpcReduction="10000"/>
+            <a:normAutofit fontScale="92500" lnSpcReduction="20000"/>
           </a:bodyPr>
           <a:lstStyle/>
           <a:p>
@@ -18550,7 +18825,7 @@
           <p:nvPr>
             <p:extLst>
               <p:ext uri="{D42A27DB-BD31-4B8C-83A1-F6EECF244321}">
-                <p14:modId xmlns:p14="http://schemas.microsoft.com/office/powerpoint/2010/main" val="310000922"/>
+                <p14:modId xmlns:p14="http://schemas.microsoft.com/office/powerpoint/2010/main" val="1607946699"/>
               </p:ext>
             </p:extLst>
           </p:nvPr>
@@ -18563,7 +18838,7 @@
           <a:graphicData uri="http://schemas.openxmlformats.org/presentationml/2006/ole">
             <mc:AlternateContent xmlns:mc="http://schemas.openxmlformats.org/markup-compatibility/2006">
               <mc:Choice xmlns:v="urn:schemas-microsoft-com:vml" Requires="v">
-                <p:oleObj spid="_x0000_s42015" name="Document" r:id="rId4" imgW="6965729" imgH="496036" progId="Word.Document.12">
+                <p:oleObj spid="_x0000_s42019" name="Document" r:id="rId4" imgW="6965729" imgH="496036" progId="Word.Document.12">
                   <p:embed/>
                 </p:oleObj>
               </mc:Choice>
@@ -18621,14 +18896,14 @@
           <a:effectLst/>
           <a:extLst>
             <a:ext uri="{909E8E84-426E-40dd-AFC4-6F175D3DCCD1}">
-              <a14:hiddenFill xmlns:a14="http://schemas.microsoft.com/office/drawing/2010/main">
+              <a14:hiddenFill xmlns:a14="http://schemas.microsoft.com/office/drawing/2010/main" xmlns="">
                 <a:solidFill>
                   <a:schemeClr val="accent1"/>
                 </a:solidFill>
               </a14:hiddenFill>
             </a:ext>
             <a:ext uri="{91240B29-F687-4f45-9708-019B960494DF}">
-              <a14:hiddenLine xmlns:a14="http://schemas.microsoft.com/office/drawing/2010/main" w="9525">
+              <a14:hiddenLine xmlns:a14="http://schemas.microsoft.com/office/drawing/2010/main" xmlns="" w="9525">
                 <a:solidFill>
                   <a:schemeClr val="tx1"/>
                 </a:solidFill>
@@ -18638,7 +18913,7 @@
               </a14:hiddenLine>
             </a:ext>
             <a:ext uri="{AF507438-7753-43e0-B8FC-AC1667EBCBE1}">
-              <a14:hiddenEffects xmlns:a14="http://schemas.microsoft.com/office/drawing/2010/main">
+              <a14:hiddenEffects xmlns:a14="http://schemas.microsoft.com/office/drawing/2010/main" xmlns="">
                 <a:effectLst>
                   <a:outerShdw dist="35921" dir="2700000" algn="ctr" rotWithShape="0">
                     <a:schemeClr val="bg2"/>
@@ -18693,7 +18968,7 @@
           <a:noFill/>
           <a:extLst>
             <a:ext uri="{909E8E84-426E-40dd-AFC4-6F175D3DCCD1}">
-              <a14:hiddenFill xmlns:a14="http://schemas.microsoft.com/office/drawing/2010/main">
+              <a14:hiddenFill xmlns:a14="http://schemas.microsoft.com/office/drawing/2010/main" xmlns="">
                 <a:solidFill>
                   <a:srgbClr val="FFFFFF"/>
                 </a:solidFill>
@@ -18814,7 +19089,7 @@
   <p:timing>
     <p:tnLst>
       <p:par>
-        <p:cTn xmlns:p14="http://schemas.microsoft.com/office/powerpoint/2010/main" id="1" dur="indefinite" restart="never" nodeType="tmRoot"/>
+        <p:cTn id="1" dur="indefinite" restart="never" nodeType="tmRoot"/>
       </p:par>
     </p:tnLst>
   </p:timing>
@@ -19446,8 +19721,8 @@
         </p:nvSpPr>
         <p:spPr>
           <a:xfrm>
-            <a:off x="1521655" y="1066800"/>
-            <a:ext cx="3581400" cy="461665"/>
+            <a:off x="2810494" y="1015328"/>
+            <a:ext cx="3581400" cy="369332"/>
           </a:xfrm>
           <a:prstGeom prst="rect">
             <a:avLst/>
@@ -19460,6 +19735,7 @@
           </a:bodyPr>
           <a:lstStyle/>
           <a:p>
+            <a:pPr algn="ctr"/>
             <a:r>
               <a:rPr lang="en-US" dirty="0" smtClean="0"/>
               <a:t>List Table</a:t>
@@ -19476,8 +19752,8 @@
         </p:nvSpPr>
         <p:spPr>
           <a:xfrm>
-            <a:off x="1524000" y="2819400"/>
-            <a:ext cx="3581400" cy="461665"/>
+            <a:off x="2893621" y="2814935"/>
+            <a:ext cx="3581400" cy="369332"/>
           </a:xfrm>
           <a:prstGeom prst="rect">
             <a:avLst/>
@@ -19490,6 +19766,7 @@
           </a:bodyPr>
           <a:lstStyle/>
           <a:p>
+            <a:pPr algn="ctr"/>
             <a:r>
               <a:rPr lang="en-US" dirty="0" smtClean="0"/>
               <a:t>Task Table</a:t>
